--- a/Documentación/Documentos del proyecto/02 Sprint_1.pptx
+++ b/Documentación/Documentos del proyecto/02 Sprint_1.pptx
@@ -10,7 +10,12 @@
     <p:sldId id="260" r:id="rId4"/>
     <p:sldId id="259" r:id="rId5"/>
     <p:sldId id="261" r:id="rId6"/>
-    <p:sldId id="262" r:id="rId7"/>
+    <p:sldId id="263" r:id="rId7"/>
+    <p:sldId id="262" r:id="rId8"/>
+    <p:sldId id="264" r:id="rId9"/>
+    <p:sldId id="265" r:id="rId10"/>
+    <p:sldId id="266" r:id="rId11"/>
+    <p:sldId id="267" r:id="rId12"/>
   </p:sldIdLst>
   <p:sldSz cx="12192000" cy="6858000"/>
   <p:notesSz cx="6858000" cy="9144000"/>
@@ -120,8 +125,7 @@
 <file path=ppt/revisionInfo.xml><?xml version="1.0" encoding="utf-8"?>
 <p1510:revInfo xmlns:a="http://schemas.openxmlformats.org/drawingml/2006/main" xmlns:r="http://schemas.openxmlformats.org/officeDocument/2006/relationships" xmlns:p1510="http://schemas.microsoft.com/office/powerpoint/2015/10/main">
   <p1510:revLst>
-    <p1510:client id="{A11C42F0-736E-4126-9855-1249F7D70E24}" v="5" dt="2022-09-13T17:13:34.956"/>
-    <p1510:client id="{F7AF0058-A517-47E5-AE50-216C978C09B0}" v="12" dt="2022-09-13T02:16:14.058"/>
+    <p1510:client id="{C69A4AD1-2AE6-4C9D-A2A5-12817A4615FE}" v="15" dt="2022-09-18T19:49:25.109"/>
   </p1510:revLst>
 </p1510:revInfo>
 </file>
@@ -437,6 +441,452 @@
             <pc:docMk/>
             <pc:sldMk cId="3863229222" sldId="262"/>
             <ac:picMk id="14" creationId="{AAF97F30-402B-DFF2-7A3E-D0605AA4F274}"/>
+          </ac:picMkLst>
+        </pc:picChg>
+      </pc:sldChg>
+    </pc:docChg>
+  </pc:docChgLst>
+  <pc:docChgLst>
+    <pc:chgData name="nilson andres saavedra gonzalez" userId="bf88e71f7db32d14" providerId="LiveId" clId="{C69A4AD1-2AE6-4C9D-A2A5-12817A4615FE}"/>
+    <pc:docChg chg="undo custSel addSld delSld modSld">
+      <pc:chgData name="nilson andres saavedra gonzalez" userId="bf88e71f7db32d14" providerId="LiveId" clId="{C69A4AD1-2AE6-4C9D-A2A5-12817A4615FE}" dt="2022-09-18T20:11:41.194" v="1005" actId="1076"/>
+      <pc:docMkLst>
+        <pc:docMk/>
+      </pc:docMkLst>
+      <pc:sldChg chg="addSp modSp mod">
+        <pc:chgData name="nilson andres saavedra gonzalez" userId="bf88e71f7db32d14" providerId="LiveId" clId="{C69A4AD1-2AE6-4C9D-A2A5-12817A4615FE}" dt="2022-09-14T01:04:50.072" v="244" actId="1076"/>
+        <pc:sldMkLst>
+          <pc:docMk/>
+          <pc:sldMk cId="922038839" sldId="258"/>
+        </pc:sldMkLst>
+        <pc:spChg chg="add mod">
+          <ac:chgData name="nilson andres saavedra gonzalez" userId="bf88e71f7db32d14" providerId="LiveId" clId="{C69A4AD1-2AE6-4C9D-A2A5-12817A4615FE}" dt="2022-09-14T01:04:50.072" v="244" actId="1076"/>
+          <ac:spMkLst>
+            <pc:docMk/>
+            <pc:sldMk cId="922038839" sldId="258"/>
+            <ac:spMk id="2" creationId="{0D5A8648-58C9-1A70-237F-9D9169C3E8F5}"/>
+          </ac:spMkLst>
+        </pc:spChg>
+      </pc:sldChg>
+      <pc:sldChg chg="modSp mod">
+        <pc:chgData name="nilson andres saavedra gonzalez" userId="bf88e71f7db32d14" providerId="LiveId" clId="{C69A4AD1-2AE6-4C9D-A2A5-12817A4615FE}" dt="2022-09-14T01:01:23.268" v="3" actId="14100"/>
+        <pc:sldMkLst>
+          <pc:docMk/>
+          <pc:sldMk cId="940722322" sldId="259"/>
+        </pc:sldMkLst>
+        <pc:picChg chg="mod">
+          <ac:chgData name="nilson andres saavedra gonzalez" userId="bf88e71f7db32d14" providerId="LiveId" clId="{C69A4AD1-2AE6-4C9D-A2A5-12817A4615FE}" dt="2022-09-14T01:01:23.268" v="3" actId="14100"/>
+          <ac:picMkLst>
+            <pc:docMk/>
+            <pc:sldMk cId="940722322" sldId="259"/>
+            <ac:picMk id="18" creationId="{7E62268D-C327-605A-2DF7-71E05ECBF5C7}"/>
+          </ac:picMkLst>
+        </pc:picChg>
+      </pc:sldChg>
+      <pc:sldChg chg="addSp delSp modSp mod">
+        <pc:chgData name="nilson andres saavedra gonzalez" userId="bf88e71f7db32d14" providerId="LiveId" clId="{C69A4AD1-2AE6-4C9D-A2A5-12817A4615FE}" dt="2022-09-14T02:58:30.339" v="540" actId="1076"/>
+        <pc:sldMkLst>
+          <pc:docMk/>
+          <pc:sldMk cId="3675381091" sldId="260"/>
+        </pc:sldMkLst>
+        <pc:picChg chg="add mod">
+          <ac:chgData name="nilson andres saavedra gonzalez" userId="bf88e71f7db32d14" providerId="LiveId" clId="{C69A4AD1-2AE6-4C9D-A2A5-12817A4615FE}" dt="2022-09-14T02:58:30.339" v="540" actId="1076"/>
+          <ac:picMkLst>
+            <pc:docMk/>
+            <pc:sldMk cId="3675381091" sldId="260"/>
+            <ac:picMk id="3" creationId="{D562B8BC-3461-0F96-0163-EF4615047C2E}"/>
+          </ac:picMkLst>
+        </pc:picChg>
+        <pc:picChg chg="del mod">
+          <ac:chgData name="nilson andres saavedra gonzalez" userId="bf88e71f7db32d14" providerId="LiveId" clId="{C69A4AD1-2AE6-4C9D-A2A5-12817A4615FE}" dt="2022-09-14T02:57:12.853" v="535" actId="478"/>
+          <ac:picMkLst>
+            <pc:docMk/>
+            <pc:sldMk cId="3675381091" sldId="260"/>
+            <ac:picMk id="14" creationId="{AAF97F30-402B-DFF2-7A3E-D0605AA4F274}"/>
+          </ac:picMkLst>
+        </pc:picChg>
+      </pc:sldChg>
+      <pc:sldChg chg="addSp delSp modSp mod">
+        <pc:chgData name="nilson andres saavedra gonzalez" userId="bf88e71f7db32d14" providerId="LiveId" clId="{C69A4AD1-2AE6-4C9D-A2A5-12817A4615FE}" dt="2022-09-14T02:57:09.889" v="534" actId="1076"/>
+        <pc:sldMkLst>
+          <pc:docMk/>
+          <pc:sldMk cId="2478065857" sldId="261"/>
+        </pc:sldMkLst>
+        <pc:picChg chg="add mod">
+          <ac:chgData name="nilson andres saavedra gonzalez" userId="bf88e71f7db32d14" providerId="LiveId" clId="{C69A4AD1-2AE6-4C9D-A2A5-12817A4615FE}" dt="2022-09-14T02:57:09.889" v="534" actId="1076"/>
+          <ac:picMkLst>
+            <pc:docMk/>
+            <pc:sldMk cId="2478065857" sldId="261"/>
+            <ac:picMk id="4" creationId="{B43EDCA4-BACA-3F38-F3BD-E4350E5475C4}"/>
+          </ac:picMkLst>
+        </pc:picChg>
+        <pc:picChg chg="del mod">
+          <ac:chgData name="nilson andres saavedra gonzalez" userId="bf88e71f7db32d14" providerId="LiveId" clId="{C69A4AD1-2AE6-4C9D-A2A5-12817A4615FE}" dt="2022-09-14T02:56:59.533" v="532" actId="478"/>
+          <ac:picMkLst>
+            <pc:docMk/>
+            <pc:sldMk cId="2478065857" sldId="261"/>
+            <ac:picMk id="6" creationId="{081CD6DF-2062-026E-FF99-4AB3488EAE9A}"/>
+          </ac:picMkLst>
+        </pc:picChg>
+      </pc:sldChg>
+      <pc:sldChg chg="addSp delSp modSp mod">
+        <pc:chgData name="nilson andres saavedra gonzalez" userId="bf88e71f7db32d14" providerId="LiveId" clId="{C69A4AD1-2AE6-4C9D-A2A5-12817A4615FE}" dt="2022-09-14T01:48:34.158" v="529" actId="20577"/>
+        <pc:sldMkLst>
+          <pc:docMk/>
+          <pc:sldMk cId="3863229222" sldId="262"/>
+        </pc:sldMkLst>
+        <pc:spChg chg="mod">
+          <ac:chgData name="nilson andres saavedra gonzalez" userId="bf88e71f7db32d14" providerId="LiveId" clId="{C69A4AD1-2AE6-4C9D-A2A5-12817A4615FE}" dt="2022-09-14T01:01:38.698" v="9" actId="20577"/>
+          <ac:spMkLst>
+            <pc:docMk/>
+            <pc:sldMk cId="3863229222" sldId="262"/>
+            <ac:spMk id="10" creationId="{C4D699B0-644A-8A24-C6A0-A3069A059470}"/>
+          </ac:spMkLst>
+        </pc:spChg>
+        <pc:spChg chg="mod">
+          <ac:chgData name="nilson andres saavedra gonzalez" userId="bf88e71f7db32d14" providerId="LiveId" clId="{C69A4AD1-2AE6-4C9D-A2A5-12817A4615FE}" dt="2022-09-14T01:48:34.158" v="529" actId="20577"/>
+          <ac:spMkLst>
+            <pc:docMk/>
+            <pc:sldMk cId="3863229222" sldId="262"/>
+            <ac:spMk id="12" creationId="{61255DEF-54E6-249B-46AF-46F804ADE403}"/>
+          </ac:spMkLst>
+        </pc:spChg>
+        <pc:picChg chg="add del mod">
+          <ac:chgData name="nilson andres saavedra gonzalez" userId="bf88e71f7db32d14" providerId="LiveId" clId="{C69A4AD1-2AE6-4C9D-A2A5-12817A4615FE}" dt="2022-09-14T01:05:20.528" v="245" actId="478"/>
+          <ac:picMkLst>
+            <pc:docMk/>
+            <pc:sldMk cId="3863229222" sldId="262"/>
+            <ac:picMk id="3" creationId="{CF948153-C3AF-F9DC-F577-3121B998F19F}"/>
+          </ac:picMkLst>
+        </pc:picChg>
+        <pc:picChg chg="add mod">
+          <ac:chgData name="nilson andres saavedra gonzalez" userId="bf88e71f7db32d14" providerId="LiveId" clId="{C69A4AD1-2AE6-4C9D-A2A5-12817A4615FE}" dt="2022-09-14T01:47:58.218" v="481" actId="1076"/>
+          <ac:picMkLst>
+            <pc:docMk/>
+            <pc:sldMk cId="3863229222" sldId="262"/>
+            <ac:picMk id="6" creationId="{1E4F82EA-5977-50CC-9124-866B6FCB27CA}"/>
+          </ac:picMkLst>
+        </pc:picChg>
+        <pc:picChg chg="add mod">
+          <ac:chgData name="nilson andres saavedra gonzalez" userId="bf88e71f7db32d14" providerId="LiveId" clId="{C69A4AD1-2AE6-4C9D-A2A5-12817A4615FE}" dt="2022-09-14T01:47:58.218" v="481" actId="1076"/>
+          <ac:picMkLst>
+            <pc:docMk/>
+            <pc:sldMk cId="3863229222" sldId="262"/>
+            <ac:picMk id="8" creationId="{78450359-9519-83A5-15CD-FA7F96B9F12B}"/>
+          </ac:picMkLst>
+        </pc:picChg>
+        <pc:picChg chg="add mod">
+          <ac:chgData name="nilson andres saavedra gonzalez" userId="bf88e71f7db32d14" providerId="LiveId" clId="{C69A4AD1-2AE6-4C9D-A2A5-12817A4615FE}" dt="2022-09-14T01:47:58.218" v="481" actId="1076"/>
+          <ac:picMkLst>
+            <pc:docMk/>
+            <pc:sldMk cId="3863229222" sldId="262"/>
+            <ac:picMk id="11" creationId="{E92A25FA-C399-3C39-FA42-11CB5E8DA25D}"/>
+          </ac:picMkLst>
+        </pc:picChg>
+      </pc:sldChg>
+      <pc:sldChg chg="modSp add mod">
+        <pc:chgData name="nilson andres saavedra gonzalez" userId="bf88e71f7db32d14" providerId="LiveId" clId="{C69A4AD1-2AE6-4C9D-A2A5-12817A4615FE}" dt="2022-09-14T01:04:02.505" v="183" actId="1076"/>
+        <pc:sldMkLst>
+          <pc:docMk/>
+          <pc:sldMk cId="621209181" sldId="263"/>
+        </pc:sldMkLst>
+        <pc:spChg chg="mod">
+          <ac:chgData name="nilson andres saavedra gonzalez" userId="bf88e71f7db32d14" providerId="LiveId" clId="{C69A4AD1-2AE6-4C9D-A2A5-12817A4615FE}" dt="2022-09-14T01:02:21.923" v="44" actId="20577"/>
+          <ac:spMkLst>
+            <pc:docMk/>
+            <pc:sldMk cId="621209181" sldId="263"/>
+            <ac:spMk id="10" creationId="{C4D699B0-644A-8A24-C6A0-A3069A059470}"/>
+          </ac:spMkLst>
+        </pc:spChg>
+        <pc:spChg chg="mod">
+          <ac:chgData name="nilson andres saavedra gonzalez" userId="bf88e71f7db32d14" providerId="LiveId" clId="{C69A4AD1-2AE6-4C9D-A2A5-12817A4615FE}" dt="2022-09-14T01:03:54.232" v="181" actId="207"/>
+          <ac:spMkLst>
+            <pc:docMk/>
+            <pc:sldMk cId="621209181" sldId="263"/>
+            <ac:spMk id="12" creationId="{61255DEF-54E6-249B-46AF-46F804ADE403}"/>
+          </ac:spMkLst>
+        </pc:spChg>
+        <pc:picChg chg="mod">
+          <ac:chgData name="nilson andres saavedra gonzalez" userId="bf88e71f7db32d14" providerId="LiveId" clId="{C69A4AD1-2AE6-4C9D-A2A5-12817A4615FE}" dt="2022-09-14T01:04:02.505" v="183" actId="1076"/>
+          <ac:picMkLst>
+            <pc:docMk/>
+            <pc:sldMk cId="621209181" sldId="263"/>
+            <ac:picMk id="3" creationId="{CF948153-C3AF-F9DC-F577-3121B998F19F}"/>
+          </ac:picMkLst>
+        </pc:picChg>
+      </pc:sldChg>
+      <pc:sldChg chg="addSp delSp modSp add mod">
+        <pc:chgData name="nilson andres saavedra gonzalez" userId="bf88e71f7db32d14" providerId="LiveId" clId="{C69A4AD1-2AE6-4C9D-A2A5-12817A4615FE}" dt="2022-09-18T18:40:36.152" v="848" actId="20577"/>
+        <pc:sldMkLst>
+          <pc:docMk/>
+          <pc:sldMk cId="2220618925" sldId="264"/>
+        </pc:sldMkLst>
+        <pc:spChg chg="add mod">
+          <ac:chgData name="nilson andres saavedra gonzalez" userId="bf88e71f7db32d14" providerId="LiveId" clId="{C69A4AD1-2AE6-4C9D-A2A5-12817A4615FE}" dt="2022-09-18T18:36:32.559" v="780" actId="313"/>
+          <ac:spMkLst>
+            <pc:docMk/>
+            <pc:sldMk cId="2220618925" sldId="264"/>
+            <ac:spMk id="2" creationId="{257CA102-65F5-93EC-A6C9-9826186CE3D3}"/>
+          </ac:spMkLst>
+        </pc:spChg>
+        <pc:spChg chg="add mod">
+          <ac:chgData name="nilson andres saavedra gonzalez" userId="bf88e71f7db32d14" providerId="LiveId" clId="{C69A4AD1-2AE6-4C9D-A2A5-12817A4615FE}" dt="2022-09-18T18:39:46.820" v="817" actId="1076"/>
+          <ac:spMkLst>
+            <pc:docMk/>
+            <pc:sldMk cId="2220618925" sldId="264"/>
+            <ac:spMk id="6" creationId="{041FBEF2-2841-5A73-57F7-3397056F6BB6}"/>
+          </ac:spMkLst>
+        </pc:spChg>
+        <pc:spChg chg="add mod">
+          <ac:chgData name="nilson andres saavedra gonzalez" userId="bf88e71f7db32d14" providerId="LiveId" clId="{C69A4AD1-2AE6-4C9D-A2A5-12817A4615FE}" dt="2022-09-18T18:40:36.152" v="848" actId="20577"/>
+          <ac:spMkLst>
+            <pc:docMk/>
+            <pc:sldMk cId="2220618925" sldId="264"/>
+            <ac:spMk id="7" creationId="{F488D880-06B1-DF9F-F4CE-13722234448F}"/>
+          </ac:spMkLst>
+        </pc:spChg>
+        <pc:spChg chg="mod">
+          <ac:chgData name="nilson andres saavedra gonzalez" userId="bf88e71f7db32d14" providerId="LiveId" clId="{C69A4AD1-2AE6-4C9D-A2A5-12817A4615FE}" dt="2022-09-18T18:34:41.323" v="572" actId="20577"/>
+          <ac:spMkLst>
+            <pc:docMk/>
+            <pc:sldMk cId="2220618925" sldId="264"/>
+            <ac:spMk id="10" creationId="{C4D699B0-644A-8A24-C6A0-A3069A059470}"/>
+          </ac:spMkLst>
+        </pc:spChg>
+        <pc:spChg chg="del mod">
+          <ac:chgData name="nilson andres saavedra gonzalez" userId="bf88e71f7db32d14" providerId="LiveId" clId="{C69A4AD1-2AE6-4C9D-A2A5-12817A4615FE}" dt="2022-09-18T18:34:55.994" v="575" actId="478"/>
+          <ac:spMkLst>
+            <pc:docMk/>
+            <pc:sldMk cId="2220618925" sldId="264"/>
+            <ac:spMk id="12" creationId="{61255DEF-54E6-249B-46AF-46F804ADE403}"/>
+          </ac:spMkLst>
+        </pc:spChg>
+        <pc:picChg chg="add mod">
+          <ac:chgData name="nilson andres saavedra gonzalez" userId="bf88e71f7db32d14" providerId="LiveId" clId="{C69A4AD1-2AE6-4C9D-A2A5-12817A4615FE}" dt="2022-09-18T18:39:31.633" v="785" actId="1076"/>
+          <ac:picMkLst>
+            <pc:docMk/>
+            <pc:sldMk cId="2220618925" sldId="264"/>
+            <ac:picMk id="4" creationId="{41653ED7-7DE7-DE23-6B38-D234C449A300}"/>
+          </ac:picMkLst>
+        </pc:picChg>
+        <pc:picChg chg="del">
+          <ac:chgData name="nilson andres saavedra gonzalez" userId="bf88e71f7db32d14" providerId="LiveId" clId="{C69A4AD1-2AE6-4C9D-A2A5-12817A4615FE}" dt="2022-09-14T02:58:50.750" v="558" actId="478"/>
+          <ac:picMkLst>
+            <pc:docMk/>
+            <pc:sldMk cId="2220618925" sldId="264"/>
+            <ac:picMk id="6" creationId="{1E4F82EA-5977-50CC-9124-866B6FCB27CA}"/>
+          </ac:picMkLst>
+        </pc:picChg>
+        <pc:picChg chg="del">
+          <ac:chgData name="nilson andres saavedra gonzalez" userId="bf88e71f7db32d14" providerId="LiveId" clId="{C69A4AD1-2AE6-4C9D-A2A5-12817A4615FE}" dt="2022-09-14T02:58:51.121" v="559" actId="478"/>
+          <ac:picMkLst>
+            <pc:docMk/>
+            <pc:sldMk cId="2220618925" sldId="264"/>
+            <ac:picMk id="8" creationId="{78450359-9519-83A5-15CD-FA7F96B9F12B}"/>
+          </ac:picMkLst>
+        </pc:picChg>
+        <pc:picChg chg="add mod">
+          <ac:chgData name="nilson andres saavedra gonzalez" userId="bf88e71f7db32d14" providerId="LiveId" clId="{C69A4AD1-2AE6-4C9D-A2A5-12817A4615FE}" dt="2022-09-18T18:40:27.850" v="826" actId="1076"/>
+          <ac:picMkLst>
+            <pc:docMk/>
+            <pc:sldMk cId="2220618925" sldId="264"/>
+            <ac:picMk id="9" creationId="{80FB914B-DE8B-2270-4DBC-693AAD16F2A3}"/>
+          </ac:picMkLst>
+        </pc:picChg>
+        <pc:picChg chg="del">
+          <ac:chgData name="nilson andres saavedra gonzalez" userId="bf88e71f7db32d14" providerId="LiveId" clId="{C69A4AD1-2AE6-4C9D-A2A5-12817A4615FE}" dt="2022-09-14T02:58:52.065" v="560" actId="478"/>
+          <ac:picMkLst>
+            <pc:docMk/>
+            <pc:sldMk cId="2220618925" sldId="264"/>
+            <ac:picMk id="11" creationId="{E92A25FA-C399-3C39-FA42-11CB5E8DA25D}"/>
+          </ac:picMkLst>
+        </pc:picChg>
+      </pc:sldChg>
+      <pc:sldChg chg="add del">
+        <pc:chgData name="nilson andres saavedra gonzalez" userId="bf88e71f7db32d14" providerId="LiveId" clId="{C69A4AD1-2AE6-4C9D-A2A5-12817A4615FE}" dt="2022-09-14T01:03:26.080" v="177"/>
+        <pc:sldMkLst>
+          <pc:docMk/>
+          <pc:sldMk cId="3234012003" sldId="264"/>
+        </pc:sldMkLst>
+      </pc:sldChg>
+      <pc:sldChg chg="addSp delSp modSp add mod">
+        <pc:chgData name="nilson andres saavedra gonzalez" userId="bf88e71f7db32d14" providerId="LiveId" clId="{C69A4AD1-2AE6-4C9D-A2A5-12817A4615FE}" dt="2022-09-18T20:11:41.194" v="1005" actId="1076"/>
+        <pc:sldMkLst>
+          <pc:docMk/>
+          <pc:sldMk cId="3368551416" sldId="265"/>
+        </pc:sldMkLst>
+        <pc:spChg chg="del">
+          <ac:chgData name="nilson andres saavedra gonzalez" userId="bf88e71f7db32d14" providerId="LiveId" clId="{C69A4AD1-2AE6-4C9D-A2A5-12817A4615FE}" dt="2022-09-18T19:51:02.386" v="1001" actId="478"/>
+          <ac:spMkLst>
+            <pc:docMk/>
+            <pc:sldMk cId="3368551416" sldId="265"/>
+            <ac:spMk id="2" creationId="{257CA102-65F5-93EC-A6C9-9826186CE3D3}"/>
+          </ac:spMkLst>
+        </pc:spChg>
+        <pc:spChg chg="del">
+          <ac:chgData name="nilson andres saavedra gonzalez" userId="bf88e71f7db32d14" providerId="LiveId" clId="{C69A4AD1-2AE6-4C9D-A2A5-12817A4615FE}" dt="2022-09-18T19:51:02.386" v="1001" actId="478"/>
+          <ac:spMkLst>
+            <pc:docMk/>
+            <pc:sldMk cId="3368551416" sldId="265"/>
+            <ac:spMk id="6" creationId="{041FBEF2-2841-5A73-57F7-3397056F6BB6}"/>
+          </ac:spMkLst>
+        </pc:spChg>
+        <pc:spChg chg="del">
+          <ac:chgData name="nilson andres saavedra gonzalez" userId="bf88e71f7db32d14" providerId="LiveId" clId="{C69A4AD1-2AE6-4C9D-A2A5-12817A4615FE}" dt="2022-09-18T19:51:02.386" v="1001" actId="478"/>
+          <ac:spMkLst>
+            <pc:docMk/>
+            <pc:sldMk cId="3368551416" sldId="265"/>
+            <ac:spMk id="7" creationId="{F488D880-06B1-DF9F-F4CE-13722234448F}"/>
+          </ac:spMkLst>
+        </pc:spChg>
+        <pc:spChg chg="mod">
+          <ac:chgData name="nilson andres saavedra gonzalez" userId="bf88e71f7db32d14" providerId="LiveId" clId="{C69A4AD1-2AE6-4C9D-A2A5-12817A4615FE}" dt="2022-09-18T19:42:49.028" v="882" actId="20577"/>
+          <ac:spMkLst>
+            <pc:docMk/>
+            <pc:sldMk cId="3368551416" sldId="265"/>
+            <ac:spMk id="10" creationId="{C4D699B0-644A-8A24-C6A0-A3069A059470}"/>
+          </ac:spMkLst>
+        </pc:spChg>
+        <pc:picChg chg="del">
+          <ac:chgData name="nilson andres saavedra gonzalez" userId="bf88e71f7db32d14" providerId="LiveId" clId="{C69A4AD1-2AE6-4C9D-A2A5-12817A4615FE}" dt="2022-09-18T19:51:02.386" v="1001" actId="478"/>
+          <ac:picMkLst>
+            <pc:docMk/>
+            <pc:sldMk cId="3368551416" sldId="265"/>
+            <ac:picMk id="4" creationId="{41653ED7-7DE7-DE23-6B38-D234C449A300}"/>
+          </ac:picMkLst>
+        </pc:picChg>
+        <pc:picChg chg="add mod">
+          <ac:chgData name="nilson andres saavedra gonzalez" userId="bf88e71f7db32d14" providerId="LiveId" clId="{C69A4AD1-2AE6-4C9D-A2A5-12817A4615FE}" dt="2022-09-18T20:11:41.194" v="1005" actId="1076"/>
+          <ac:picMkLst>
+            <pc:docMk/>
+            <pc:sldMk cId="3368551416" sldId="265"/>
+            <ac:picMk id="8" creationId="{C50A55AD-14A4-BB45-4667-F29355ACB12B}"/>
+          </ac:picMkLst>
+        </pc:picChg>
+        <pc:picChg chg="del">
+          <ac:chgData name="nilson andres saavedra gonzalez" userId="bf88e71f7db32d14" providerId="LiveId" clId="{C69A4AD1-2AE6-4C9D-A2A5-12817A4615FE}" dt="2022-09-18T19:51:02.386" v="1001" actId="478"/>
+          <ac:picMkLst>
+            <pc:docMk/>
+            <pc:sldMk cId="3368551416" sldId="265"/>
+            <ac:picMk id="9" creationId="{80FB914B-DE8B-2270-4DBC-693AAD16F2A3}"/>
+          </ac:picMkLst>
+        </pc:picChg>
+      </pc:sldChg>
+      <pc:sldChg chg="addSp delSp modSp add mod">
+        <pc:chgData name="nilson andres saavedra gonzalez" userId="bf88e71f7db32d14" providerId="LiveId" clId="{C69A4AD1-2AE6-4C9D-A2A5-12817A4615FE}" dt="2022-09-18T19:48:14.911" v="914" actId="1076"/>
+        <pc:sldMkLst>
+          <pc:docMk/>
+          <pc:sldMk cId="235175312" sldId="266"/>
+        </pc:sldMkLst>
+        <pc:spChg chg="del">
+          <ac:chgData name="nilson andres saavedra gonzalez" userId="bf88e71f7db32d14" providerId="LiveId" clId="{C69A4AD1-2AE6-4C9D-A2A5-12817A4615FE}" dt="2022-09-18T19:43:08.211" v="912" actId="478"/>
+          <ac:spMkLst>
+            <pc:docMk/>
+            <pc:sldMk cId="235175312" sldId="266"/>
+            <ac:spMk id="2" creationId="{257CA102-65F5-93EC-A6C9-9826186CE3D3}"/>
+          </ac:spMkLst>
+        </pc:spChg>
+        <pc:spChg chg="del">
+          <ac:chgData name="nilson andres saavedra gonzalez" userId="bf88e71f7db32d14" providerId="LiveId" clId="{C69A4AD1-2AE6-4C9D-A2A5-12817A4615FE}" dt="2022-09-18T19:43:08.211" v="912" actId="478"/>
+          <ac:spMkLst>
+            <pc:docMk/>
+            <pc:sldMk cId="235175312" sldId="266"/>
+            <ac:spMk id="6" creationId="{041FBEF2-2841-5A73-57F7-3397056F6BB6}"/>
+          </ac:spMkLst>
+        </pc:spChg>
+        <pc:spChg chg="del">
+          <ac:chgData name="nilson andres saavedra gonzalez" userId="bf88e71f7db32d14" providerId="LiveId" clId="{C69A4AD1-2AE6-4C9D-A2A5-12817A4615FE}" dt="2022-09-18T19:43:08.211" v="912" actId="478"/>
+          <ac:spMkLst>
+            <pc:docMk/>
+            <pc:sldMk cId="235175312" sldId="266"/>
+            <ac:spMk id="7" creationId="{F488D880-06B1-DF9F-F4CE-13722234448F}"/>
+          </ac:spMkLst>
+        </pc:spChg>
+        <pc:spChg chg="mod">
+          <ac:chgData name="nilson andres saavedra gonzalez" userId="bf88e71f7db32d14" providerId="LiveId" clId="{C69A4AD1-2AE6-4C9D-A2A5-12817A4615FE}" dt="2022-09-18T19:43:04.410" v="911" actId="20577"/>
+          <ac:spMkLst>
+            <pc:docMk/>
+            <pc:sldMk cId="235175312" sldId="266"/>
+            <ac:spMk id="10" creationId="{C4D699B0-644A-8A24-C6A0-A3069A059470}"/>
+          </ac:spMkLst>
+        </pc:spChg>
+        <pc:picChg chg="del">
+          <ac:chgData name="nilson andres saavedra gonzalez" userId="bf88e71f7db32d14" providerId="LiveId" clId="{C69A4AD1-2AE6-4C9D-A2A5-12817A4615FE}" dt="2022-09-18T19:43:08.211" v="912" actId="478"/>
+          <ac:picMkLst>
+            <pc:docMk/>
+            <pc:sldMk cId="235175312" sldId="266"/>
+            <ac:picMk id="4" creationId="{41653ED7-7DE7-DE23-6B38-D234C449A300}"/>
+          </ac:picMkLst>
+        </pc:picChg>
+        <pc:picChg chg="del">
+          <ac:chgData name="nilson andres saavedra gonzalez" userId="bf88e71f7db32d14" providerId="LiveId" clId="{C69A4AD1-2AE6-4C9D-A2A5-12817A4615FE}" dt="2022-09-18T19:43:08.211" v="912" actId="478"/>
+          <ac:picMkLst>
+            <pc:docMk/>
+            <pc:sldMk cId="235175312" sldId="266"/>
+            <ac:picMk id="9" creationId="{80FB914B-DE8B-2270-4DBC-693AAD16F2A3}"/>
+          </ac:picMkLst>
+        </pc:picChg>
+        <pc:picChg chg="add mod">
+          <ac:chgData name="nilson andres saavedra gonzalez" userId="bf88e71f7db32d14" providerId="LiveId" clId="{C69A4AD1-2AE6-4C9D-A2A5-12817A4615FE}" dt="2022-09-18T19:48:14.911" v="914" actId="1076"/>
+          <ac:picMkLst>
+            <pc:docMk/>
+            <pc:sldMk cId="235175312" sldId="266"/>
+            <ac:picMk id="1026" creationId="{B30EA703-366E-94B1-5FCD-D9331FB12A75}"/>
+          </ac:picMkLst>
+        </pc:picChg>
+      </pc:sldChg>
+      <pc:sldChg chg="addSp delSp modSp add mod">
+        <pc:chgData name="nilson andres saavedra gonzalez" userId="bf88e71f7db32d14" providerId="LiveId" clId="{C69A4AD1-2AE6-4C9D-A2A5-12817A4615FE}" dt="2022-09-18T19:50:39.377" v="1000" actId="1076"/>
+        <pc:sldMkLst>
+          <pc:docMk/>
+          <pc:sldMk cId="1728745541" sldId="267"/>
+        </pc:sldMkLst>
+        <pc:spChg chg="add mod">
+          <ac:chgData name="nilson andres saavedra gonzalez" userId="bf88e71f7db32d14" providerId="LiveId" clId="{C69A4AD1-2AE6-4C9D-A2A5-12817A4615FE}" dt="2022-09-18T19:49:42.406" v="996" actId="20577"/>
+          <ac:spMkLst>
+            <pc:docMk/>
+            <pc:sldMk cId="1728745541" sldId="267"/>
+            <ac:spMk id="4" creationId="{1F9E9524-0242-0132-4FF2-32FA2B4C911D}"/>
+          </ac:spMkLst>
+        </pc:spChg>
+        <pc:spChg chg="mod">
+          <ac:chgData name="nilson andres saavedra gonzalez" userId="bf88e71f7db32d14" providerId="LiveId" clId="{C69A4AD1-2AE6-4C9D-A2A5-12817A4615FE}" dt="2022-09-18T19:48:39.029" v="949" actId="1076"/>
+          <ac:spMkLst>
+            <pc:docMk/>
+            <pc:sldMk cId="1728745541" sldId="267"/>
+            <ac:spMk id="5" creationId="{3290CEB5-80F2-4B22-A8FB-AED79906C649}"/>
+          </ac:spMkLst>
+        </pc:spChg>
+        <pc:spChg chg="mod">
+          <ac:chgData name="nilson andres saavedra gonzalez" userId="bf88e71f7db32d14" providerId="LiveId" clId="{C69A4AD1-2AE6-4C9D-A2A5-12817A4615FE}" dt="2022-09-18T19:48:36.176" v="947" actId="20577"/>
+          <ac:spMkLst>
+            <pc:docMk/>
+            <pc:sldMk cId="1728745541" sldId="267"/>
+            <ac:spMk id="10" creationId="{C4D699B0-644A-8A24-C6A0-A3069A059470}"/>
+          </ac:spMkLst>
+        </pc:spChg>
+        <pc:picChg chg="add mod">
+          <ac:chgData name="nilson andres saavedra gonzalez" userId="bf88e71f7db32d14" providerId="LiveId" clId="{C69A4AD1-2AE6-4C9D-A2A5-12817A4615FE}" dt="2022-09-18T19:49:22.475" v="954" actId="1076"/>
+          <ac:picMkLst>
+            <pc:docMk/>
+            <pc:sldMk cId="1728745541" sldId="267"/>
+            <ac:picMk id="3" creationId="{0099221F-AC68-8A92-18B0-D60311B3551F}"/>
+          </ac:picMkLst>
+        </pc:picChg>
+        <pc:picChg chg="add mod">
+          <ac:chgData name="nilson andres saavedra gonzalez" userId="bf88e71f7db32d14" providerId="LiveId" clId="{C69A4AD1-2AE6-4C9D-A2A5-12817A4615FE}" dt="2022-09-18T19:50:39.377" v="1000" actId="1076"/>
+          <ac:picMkLst>
+            <pc:docMk/>
+            <pc:sldMk cId="1728745541" sldId="267"/>
+            <ac:picMk id="7" creationId="{773B7EFE-75F0-AD99-A746-C940AD24F6BA}"/>
+          </ac:picMkLst>
+        </pc:picChg>
+        <pc:picChg chg="del">
+          <ac:chgData name="nilson andres saavedra gonzalez" userId="bf88e71f7db32d14" providerId="LiveId" clId="{C69A4AD1-2AE6-4C9D-A2A5-12817A4615FE}" dt="2022-09-18T19:48:40.222" v="950" actId="478"/>
+          <ac:picMkLst>
+            <pc:docMk/>
+            <pc:sldMk cId="1728745541" sldId="267"/>
+            <ac:picMk id="1026" creationId="{B30EA703-366E-94B1-5FCD-D9331FB12A75}"/>
           </ac:picMkLst>
         </pc:picChg>
       </pc:sldChg>
@@ -1212,7 +1662,7 @@
           <a:p>
             <a:fld id="{65FE4D9A-8514-4373-9A7A-1DC789F3CB4A}" type="datetimeFigureOut">
               <a:rPr lang="es-CO" smtClean="0"/>
-              <a:t>12/09/2022</a:t>
+              <a:t>18/09/2022</a:t>
             </a:fld>
             <a:endParaRPr lang="es-CO"/>
           </a:p>
@@ -1769,10 +2219,568 @@
           </a:p>
         </p:txBody>
       </p:sp>
+      <p:sp>
+        <p:nvSpPr>
+          <p:cNvPr id="2" name="Título 1">
+            <a:extLst>
+              <a:ext uri="{FF2B5EF4-FFF2-40B4-BE49-F238E27FC236}">
+                <a16:creationId xmlns:a16="http://schemas.microsoft.com/office/drawing/2014/main" id="{0D5A8648-58C9-1A70-237F-9D9169C3E8F5}"/>
+              </a:ext>
+            </a:extLst>
+          </p:cNvPr>
+          <p:cNvSpPr txBox="1">
+            <a:spLocks/>
+          </p:cNvSpPr>
+          <p:nvPr/>
+        </p:nvSpPr>
+        <p:spPr>
+          <a:xfrm>
+            <a:off x="1903746" y="3978111"/>
+            <a:ext cx="7348886" cy="1564849"/>
+          </a:xfrm>
+          <a:prstGeom prst="rect">
+            <a:avLst/>
+          </a:prstGeom>
+        </p:spPr>
+        <p:txBody>
+          <a:bodyPr vert="horz" lIns="91440" tIns="45720" rIns="91440" bIns="45720" rtlCol="0" anchor="t">
+            <a:normAutofit/>
+          </a:bodyPr>
+          <a:lstStyle>
+            <a:lvl1pPr algn="l" defTabSz="914400" rtl="0" eaLnBrk="1" latinLnBrk="0" hangingPunct="1">
+              <a:lnSpc>
+                <a:spcPct val="90000"/>
+              </a:lnSpc>
+              <a:spcBef>
+                <a:spcPct val="0"/>
+              </a:spcBef>
+              <a:buNone/>
+              <a:defRPr sz="4400" kern="1200">
+                <a:solidFill>
+                  <a:schemeClr val="tx1"/>
+                </a:solidFill>
+                <a:latin typeface="+mj-lt"/>
+                <a:ea typeface="+mj-ea"/>
+                <a:cs typeface="+mj-cs"/>
+              </a:defRPr>
+            </a:lvl1pPr>
+          </a:lstStyle>
+          <a:p>
+            <a:pPr algn="r"/>
+            <a:r>
+              <a:rPr lang="es-CO" sz="3600" b="1" dirty="0">
+                <a:solidFill>
+                  <a:srgbClr val="0070C0"/>
+                </a:solidFill>
+                <a:latin typeface="Arial Black" panose="020B0604020202020204" pitchFamily="34" charset="0"/>
+                <a:cs typeface="Arial Black" panose="020B0604020202020204" pitchFamily="34" charset="0"/>
+              </a:rPr>
+              <a:t>Proyecto creación de portafolio de muebles</a:t>
+            </a:r>
+            <a:endParaRPr lang="es-CO" sz="3200" b="1" dirty="0">
+              <a:solidFill>
+                <a:schemeClr val="tx2"/>
+              </a:solidFill>
+            </a:endParaRPr>
+          </a:p>
+        </p:txBody>
+      </p:sp>
     </p:spTree>
     <p:extLst>
       <p:ext uri="{BB962C8B-B14F-4D97-AF65-F5344CB8AC3E}">
         <p14:creationId xmlns:p14="http://schemas.microsoft.com/office/powerpoint/2010/main" val="922038839"/>
+      </p:ext>
+    </p:extLst>
+  </p:cSld>
+  <p:clrMapOvr>
+    <a:masterClrMapping/>
+  </p:clrMapOvr>
+</p:sld>
+</file>
+
+<file path=ppt/slides/slide10.xml><?xml version="1.0" encoding="utf-8"?>
+<p:sld xmlns:a="http://schemas.openxmlformats.org/drawingml/2006/main" xmlns:r="http://schemas.openxmlformats.org/officeDocument/2006/relationships" xmlns:p="http://schemas.openxmlformats.org/presentationml/2006/main">
+  <p:cSld>
+    <p:spTree>
+      <p:nvGrpSpPr>
+        <p:cNvPr id="1" name=""/>
+        <p:cNvGrpSpPr/>
+        <p:nvPr/>
+      </p:nvGrpSpPr>
+      <p:grpSpPr>
+        <a:xfrm>
+          <a:off x="0" y="0"/>
+          <a:ext cx="0" cy="0"/>
+          <a:chOff x="0" y="0"/>
+          <a:chExt cx="0" cy="0"/>
+        </a:xfrm>
+      </p:grpSpPr>
+      <p:sp>
+        <p:nvSpPr>
+          <p:cNvPr id="5" name="Título 1">
+            <a:extLst>
+              <a:ext uri="{FF2B5EF4-FFF2-40B4-BE49-F238E27FC236}">
+                <a16:creationId xmlns:a16="http://schemas.microsoft.com/office/drawing/2014/main" id="{3290CEB5-80F2-4B22-A8FB-AED79906C649}"/>
+              </a:ext>
+            </a:extLst>
+          </p:cNvPr>
+          <p:cNvSpPr txBox="1">
+            <a:spLocks/>
+          </p:cNvSpPr>
+          <p:nvPr/>
+        </p:nvSpPr>
+        <p:spPr>
+          <a:xfrm>
+            <a:off x="3030140" y="422484"/>
+            <a:ext cx="6040234" cy="737013"/>
+          </a:xfrm>
+          <a:prstGeom prst="rect">
+            <a:avLst/>
+          </a:prstGeom>
+        </p:spPr>
+        <p:txBody>
+          <a:bodyPr vert="horz" lIns="91440" tIns="45720" rIns="91440" bIns="45720" rtlCol="0" anchor="t">
+            <a:normAutofit/>
+          </a:bodyPr>
+          <a:lstStyle>
+            <a:lvl1pPr algn="l" defTabSz="914400" rtl="0" eaLnBrk="1" latinLnBrk="0" hangingPunct="1">
+              <a:lnSpc>
+                <a:spcPct val="90000"/>
+              </a:lnSpc>
+              <a:spcBef>
+                <a:spcPct val="0"/>
+              </a:spcBef>
+              <a:buNone/>
+              <a:defRPr sz="4400" kern="1200">
+                <a:solidFill>
+                  <a:schemeClr val="tx1"/>
+                </a:solidFill>
+                <a:latin typeface="+mj-lt"/>
+                <a:ea typeface="+mj-ea"/>
+                <a:cs typeface="+mj-cs"/>
+              </a:defRPr>
+            </a:lvl1pPr>
+          </a:lstStyle>
+          <a:p>
+            <a:r>
+              <a:rPr lang="es-CO" sz="3600" b="1" dirty="0">
+                <a:solidFill>
+                  <a:srgbClr val="5700FE"/>
+                </a:solidFill>
+                <a:latin typeface="Arial Black" panose="020B0604020202020204" pitchFamily="34" charset="0"/>
+                <a:cs typeface="Arial Black" panose="020B0604020202020204" pitchFamily="34" charset="0"/>
+              </a:rPr>
+              <a:t>Sprint 1</a:t>
+            </a:r>
+            <a:endParaRPr lang="es-CO" sz="3200" b="1" dirty="0">
+              <a:solidFill>
+                <a:schemeClr val="tx2"/>
+              </a:solidFill>
+            </a:endParaRPr>
+          </a:p>
+        </p:txBody>
+      </p:sp>
+      <p:sp>
+        <p:nvSpPr>
+          <p:cNvPr id="10" name="Título 1">
+            <a:extLst>
+              <a:ext uri="{FF2B5EF4-FFF2-40B4-BE49-F238E27FC236}">
+                <a16:creationId xmlns:a16="http://schemas.microsoft.com/office/drawing/2014/main" id="{C4D699B0-644A-8A24-C6A0-A3069A059470}"/>
+              </a:ext>
+            </a:extLst>
+          </p:cNvPr>
+          <p:cNvSpPr txBox="1">
+            <a:spLocks/>
+          </p:cNvSpPr>
+          <p:nvPr/>
+        </p:nvSpPr>
+        <p:spPr>
+          <a:xfrm>
+            <a:off x="550891" y="1354219"/>
+            <a:ext cx="6040234" cy="465355"/>
+          </a:xfrm>
+          <a:prstGeom prst="rect">
+            <a:avLst/>
+          </a:prstGeom>
+        </p:spPr>
+        <p:txBody>
+          <a:bodyPr vert="horz" lIns="91440" tIns="45720" rIns="91440" bIns="45720" rtlCol="0" anchor="t">
+            <a:normAutofit/>
+          </a:bodyPr>
+          <a:lstStyle>
+            <a:lvl1pPr algn="l" defTabSz="914400" rtl="0" eaLnBrk="1" latinLnBrk="0" hangingPunct="1">
+              <a:lnSpc>
+                <a:spcPct val="90000"/>
+              </a:lnSpc>
+              <a:spcBef>
+                <a:spcPct val="0"/>
+              </a:spcBef>
+              <a:buNone/>
+              <a:defRPr sz="4400" kern="1200">
+                <a:solidFill>
+                  <a:schemeClr val="tx1"/>
+                </a:solidFill>
+                <a:latin typeface="+mj-lt"/>
+                <a:ea typeface="+mj-ea"/>
+                <a:cs typeface="+mj-cs"/>
+              </a:defRPr>
+            </a:lvl1pPr>
+          </a:lstStyle>
+          <a:p>
+            <a:r>
+              <a:rPr lang="es-CO" sz="2400" b="1" dirty="0">
+                <a:solidFill>
+                  <a:srgbClr val="5700FE"/>
+                </a:solidFill>
+                <a:latin typeface="Arial Black" panose="020B0604020202020204" pitchFamily="34" charset="0"/>
+                <a:cs typeface="Arial Black" panose="020B0604020202020204" pitchFamily="34" charset="0"/>
+              </a:rPr>
+              <a:t>8. Informe de retrospectiva</a:t>
+            </a:r>
+            <a:endParaRPr lang="es-CO" sz="2000" b="1" dirty="0">
+              <a:solidFill>
+                <a:schemeClr val="tx2"/>
+              </a:solidFill>
+            </a:endParaRPr>
+          </a:p>
+        </p:txBody>
+      </p:sp>
+      <p:pic>
+        <p:nvPicPr>
+          <p:cNvPr id="1026" name="Picture 2">
+            <a:extLst>
+              <a:ext uri="{FF2B5EF4-FFF2-40B4-BE49-F238E27FC236}">
+                <a16:creationId xmlns:a16="http://schemas.microsoft.com/office/drawing/2014/main" id="{B30EA703-366E-94B1-5FCD-D9331FB12A75}"/>
+              </a:ext>
+            </a:extLst>
+          </p:cNvPr>
+          <p:cNvPicPr>
+            <a:picLocks noChangeAspect="1" noChangeArrowheads="1"/>
+          </p:cNvPicPr>
+          <p:nvPr/>
+        </p:nvPicPr>
+        <p:blipFill>
+          <a:blip r:embed="rId2">
+            <a:extLst>
+              <a:ext uri="{28A0092B-C50C-407E-A947-70E740481C1C}">
+                <a14:useLocalDpi xmlns:a14="http://schemas.microsoft.com/office/drawing/2010/main" val="0"/>
+              </a:ext>
+            </a:extLst>
+          </a:blip>
+          <a:srcRect/>
+          <a:stretch>
+            <a:fillRect/>
+          </a:stretch>
+        </p:blipFill>
+        <p:spPr bwMode="auto">
+          <a:xfrm>
+            <a:off x="679215" y="1819574"/>
+            <a:ext cx="9744075" cy="4524375"/>
+          </a:xfrm>
+          <a:prstGeom prst="rect">
+            <a:avLst/>
+          </a:prstGeom>
+          <a:noFill/>
+          <a:extLst>
+            <a:ext uri="{909E8E84-426E-40DD-AFC4-6F175D3DCCD1}">
+              <a14:hiddenFill xmlns:a14="http://schemas.microsoft.com/office/drawing/2010/main">
+                <a:solidFill>
+                  <a:srgbClr val="FFFFFF"/>
+                </a:solidFill>
+              </a14:hiddenFill>
+            </a:ext>
+          </a:extLst>
+        </p:spPr>
+      </p:pic>
+    </p:spTree>
+    <p:extLst>
+      <p:ext uri="{BB962C8B-B14F-4D97-AF65-F5344CB8AC3E}">
+        <p14:creationId xmlns:p14="http://schemas.microsoft.com/office/powerpoint/2010/main" val="235175312"/>
+      </p:ext>
+    </p:extLst>
+  </p:cSld>
+  <p:clrMapOvr>
+    <a:masterClrMapping/>
+  </p:clrMapOvr>
+</p:sld>
+</file>
+
+<file path=ppt/slides/slide11.xml><?xml version="1.0" encoding="utf-8"?>
+<p:sld xmlns:a="http://schemas.openxmlformats.org/drawingml/2006/main" xmlns:r="http://schemas.openxmlformats.org/officeDocument/2006/relationships" xmlns:p="http://schemas.openxmlformats.org/presentationml/2006/main">
+  <p:cSld>
+    <p:spTree>
+      <p:nvGrpSpPr>
+        <p:cNvPr id="1" name=""/>
+        <p:cNvGrpSpPr/>
+        <p:nvPr/>
+      </p:nvGrpSpPr>
+      <p:grpSpPr>
+        <a:xfrm>
+          <a:off x="0" y="0"/>
+          <a:ext cx="0" cy="0"/>
+          <a:chOff x="0" y="0"/>
+          <a:chExt cx="0" cy="0"/>
+        </a:xfrm>
+      </p:grpSpPr>
+      <p:sp>
+        <p:nvSpPr>
+          <p:cNvPr id="5" name="Título 1">
+            <a:extLst>
+              <a:ext uri="{FF2B5EF4-FFF2-40B4-BE49-F238E27FC236}">
+                <a16:creationId xmlns:a16="http://schemas.microsoft.com/office/drawing/2014/main" id="{3290CEB5-80F2-4B22-A8FB-AED79906C649}"/>
+              </a:ext>
+            </a:extLst>
+          </p:cNvPr>
+          <p:cNvSpPr txBox="1">
+            <a:spLocks/>
+          </p:cNvSpPr>
+          <p:nvPr/>
+        </p:nvSpPr>
+        <p:spPr>
+          <a:xfrm>
+            <a:off x="3030140" y="422484"/>
+            <a:ext cx="6040234" cy="737013"/>
+          </a:xfrm>
+          <a:prstGeom prst="rect">
+            <a:avLst/>
+          </a:prstGeom>
+        </p:spPr>
+        <p:txBody>
+          <a:bodyPr vert="horz" lIns="91440" tIns="45720" rIns="91440" bIns="45720" rtlCol="0" anchor="t">
+            <a:normAutofit/>
+          </a:bodyPr>
+          <a:lstStyle>
+            <a:lvl1pPr algn="l" defTabSz="914400" rtl="0" eaLnBrk="1" latinLnBrk="0" hangingPunct="1">
+              <a:lnSpc>
+                <a:spcPct val="90000"/>
+              </a:lnSpc>
+              <a:spcBef>
+                <a:spcPct val="0"/>
+              </a:spcBef>
+              <a:buNone/>
+              <a:defRPr sz="4400" kern="1200">
+                <a:solidFill>
+                  <a:schemeClr val="tx1"/>
+                </a:solidFill>
+                <a:latin typeface="+mj-lt"/>
+                <a:ea typeface="+mj-ea"/>
+                <a:cs typeface="+mj-cs"/>
+              </a:defRPr>
+            </a:lvl1pPr>
+          </a:lstStyle>
+          <a:p>
+            <a:r>
+              <a:rPr lang="es-CO" sz="3600" b="1" dirty="0">
+                <a:solidFill>
+                  <a:srgbClr val="5700FE"/>
+                </a:solidFill>
+                <a:latin typeface="Arial Black" panose="020B0604020202020204" pitchFamily="34" charset="0"/>
+                <a:cs typeface="Arial Black" panose="020B0604020202020204" pitchFamily="34" charset="0"/>
+              </a:rPr>
+              <a:t>Sprint 1</a:t>
+            </a:r>
+            <a:endParaRPr lang="es-CO" sz="3200" b="1" dirty="0">
+              <a:solidFill>
+                <a:schemeClr val="tx2"/>
+              </a:solidFill>
+            </a:endParaRPr>
+          </a:p>
+        </p:txBody>
+      </p:sp>
+      <p:sp>
+        <p:nvSpPr>
+          <p:cNvPr id="10" name="Título 1">
+            <a:extLst>
+              <a:ext uri="{FF2B5EF4-FFF2-40B4-BE49-F238E27FC236}">
+                <a16:creationId xmlns:a16="http://schemas.microsoft.com/office/drawing/2014/main" id="{C4D699B0-644A-8A24-C6A0-A3069A059470}"/>
+              </a:ext>
+            </a:extLst>
+          </p:cNvPr>
+          <p:cNvSpPr txBox="1">
+            <a:spLocks/>
+          </p:cNvSpPr>
+          <p:nvPr/>
+        </p:nvSpPr>
+        <p:spPr>
+          <a:xfrm>
+            <a:off x="550891" y="1354219"/>
+            <a:ext cx="6040234" cy="465355"/>
+          </a:xfrm>
+          <a:prstGeom prst="rect">
+            <a:avLst/>
+          </a:prstGeom>
+        </p:spPr>
+        <p:txBody>
+          <a:bodyPr vert="horz" lIns="91440" tIns="45720" rIns="91440" bIns="45720" rtlCol="0" anchor="t">
+            <a:normAutofit/>
+          </a:bodyPr>
+          <a:lstStyle>
+            <a:lvl1pPr algn="l" defTabSz="914400" rtl="0" eaLnBrk="1" latinLnBrk="0" hangingPunct="1">
+              <a:lnSpc>
+                <a:spcPct val="90000"/>
+              </a:lnSpc>
+              <a:spcBef>
+                <a:spcPct val="0"/>
+              </a:spcBef>
+              <a:buNone/>
+              <a:defRPr sz="4400" kern="1200">
+                <a:solidFill>
+                  <a:schemeClr val="tx1"/>
+                </a:solidFill>
+                <a:latin typeface="+mj-lt"/>
+                <a:ea typeface="+mj-ea"/>
+                <a:cs typeface="+mj-cs"/>
+              </a:defRPr>
+            </a:lvl1pPr>
+          </a:lstStyle>
+          <a:p>
+            <a:r>
+              <a:rPr lang="es-CO" sz="2400" b="1" dirty="0">
+                <a:solidFill>
+                  <a:srgbClr val="5700FE"/>
+                </a:solidFill>
+                <a:latin typeface="Arial Black" panose="020B0604020202020204" pitchFamily="34" charset="0"/>
+                <a:cs typeface="Arial Black" panose="020B0604020202020204" pitchFamily="34" charset="0"/>
+              </a:rPr>
+              <a:t>8. Culminación 100% Backlog</a:t>
+            </a:r>
+            <a:endParaRPr lang="es-CO" sz="2000" b="1" dirty="0">
+              <a:solidFill>
+                <a:schemeClr val="tx2"/>
+              </a:solidFill>
+            </a:endParaRPr>
+          </a:p>
+        </p:txBody>
+      </p:sp>
+      <p:pic>
+        <p:nvPicPr>
+          <p:cNvPr id="3" name="Imagen 2">
+            <a:extLst>
+              <a:ext uri="{FF2B5EF4-FFF2-40B4-BE49-F238E27FC236}">
+                <a16:creationId xmlns:a16="http://schemas.microsoft.com/office/drawing/2014/main" id="{0099221F-AC68-8A92-18B0-D60311B3551F}"/>
+              </a:ext>
+            </a:extLst>
+          </p:cNvPr>
+          <p:cNvPicPr>
+            <a:picLocks noChangeAspect="1"/>
+          </p:cNvPicPr>
+          <p:nvPr/>
+        </p:nvPicPr>
+        <p:blipFill>
+          <a:blip r:embed="rId2"/>
+          <a:stretch>
+            <a:fillRect/>
+          </a:stretch>
+        </p:blipFill>
+        <p:spPr>
+          <a:xfrm>
+            <a:off x="710119" y="1741752"/>
+            <a:ext cx="10000034" cy="1800465"/>
+          </a:xfrm>
+          <a:prstGeom prst="rect">
+            <a:avLst/>
+          </a:prstGeom>
+        </p:spPr>
+      </p:pic>
+      <p:sp>
+        <p:nvSpPr>
+          <p:cNvPr id="4" name="Título 1">
+            <a:extLst>
+              <a:ext uri="{FF2B5EF4-FFF2-40B4-BE49-F238E27FC236}">
+                <a16:creationId xmlns:a16="http://schemas.microsoft.com/office/drawing/2014/main" id="{1F9E9524-0242-0132-4FF2-32FA2B4C911D}"/>
+              </a:ext>
+            </a:extLst>
+          </p:cNvPr>
+          <p:cNvSpPr txBox="1">
+            <a:spLocks/>
+          </p:cNvSpPr>
+          <p:nvPr/>
+        </p:nvSpPr>
+        <p:spPr>
+          <a:xfrm>
+            <a:off x="550891" y="3786134"/>
+            <a:ext cx="9128130" cy="465355"/>
+          </a:xfrm>
+          <a:prstGeom prst="rect">
+            <a:avLst/>
+          </a:prstGeom>
+        </p:spPr>
+        <p:txBody>
+          <a:bodyPr vert="horz" lIns="91440" tIns="45720" rIns="91440" bIns="45720" rtlCol="0" anchor="t">
+            <a:normAutofit/>
+          </a:bodyPr>
+          <a:lstStyle>
+            <a:lvl1pPr algn="l" defTabSz="914400" rtl="0" eaLnBrk="1" latinLnBrk="0" hangingPunct="1">
+              <a:lnSpc>
+                <a:spcPct val="90000"/>
+              </a:lnSpc>
+              <a:spcBef>
+                <a:spcPct val="0"/>
+              </a:spcBef>
+              <a:buNone/>
+              <a:defRPr sz="4400" kern="1200">
+                <a:solidFill>
+                  <a:schemeClr val="tx1"/>
+                </a:solidFill>
+                <a:latin typeface="+mj-lt"/>
+                <a:ea typeface="+mj-ea"/>
+                <a:cs typeface="+mj-cs"/>
+              </a:defRPr>
+            </a:lvl1pPr>
+          </a:lstStyle>
+          <a:p>
+            <a:r>
+              <a:rPr lang="es-CO" sz="2400" b="1" dirty="0">
+                <a:solidFill>
+                  <a:srgbClr val="5700FE"/>
+                </a:solidFill>
+                <a:latin typeface="Arial Black" panose="020B0604020202020204" pitchFamily="34" charset="0"/>
+                <a:cs typeface="Arial Black" panose="020B0604020202020204" pitchFamily="34" charset="0"/>
+              </a:rPr>
+              <a:t>9. Culminación 100% seguimiento actividades Trello</a:t>
+            </a:r>
+            <a:endParaRPr lang="es-CO" sz="2000" b="1" dirty="0">
+              <a:solidFill>
+                <a:schemeClr val="tx2"/>
+              </a:solidFill>
+            </a:endParaRPr>
+          </a:p>
+        </p:txBody>
+      </p:sp>
+      <p:pic>
+        <p:nvPicPr>
+          <p:cNvPr id="7" name="Imagen 6">
+            <a:extLst>
+              <a:ext uri="{FF2B5EF4-FFF2-40B4-BE49-F238E27FC236}">
+                <a16:creationId xmlns:a16="http://schemas.microsoft.com/office/drawing/2014/main" id="{773B7EFE-75F0-AD99-A746-C940AD24F6BA}"/>
+              </a:ext>
+            </a:extLst>
+          </p:cNvPr>
+          <p:cNvPicPr>
+            <a:picLocks noChangeAspect="1"/>
+          </p:cNvPicPr>
+          <p:nvPr/>
+        </p:nvPicPr>
+        <p:blipFill>
+          <a:blip r:embed="rId3"/>
+          <a:stretch>
+            <a:fillRect/>
+          </a:stretch>
+        </p:blipFill>
+        <p:spPr>
+          <a:xfrm>
+            <a:off x="1116613" y="4124472"/>
+            <a:ext cx="2104615" cy="2392994"/>
+          </a:xfrm>
+          <a:prstGeom prst="rect">
+            <a:avLst/>
+          </a:prstGeom>
+        </p:spPr>
+      </p:pic>
+    </p:spTree>
+    <p:extLst>
+      <p:ext uri="{BB962C8B-B14F-4D97-AF65-F5344CB8AC3E}">
+        <p14:creationId xmlns:p14="http://schemas.microsoft.com/office/powerpoint/2010/main" val="1728745541"/>
       </p:ext>
     </p:extLst>
   </p:cSld>
@@ -2696,36 +3704,6 @@
           </a:p>
         </p:txBody>
       </p:sp>
-      <p:pic>
-        <p:nvPicPr>
-          <p:cNvPr id="14" name="Imagen 13">
-            <a:extLst>
-              <a:ext uri="{FF2B5EF4-FFF2-40B4-BE49-F238E27FC236}">
-                <a16:creationId xmlns:a16="http://schemas.microsoft.com/office/drawing/2014/main" id="{AAF97F30-402B-DFF2-7A3E-D0605AA4F274}"/>
-              </a:ext>
-            </a:extLst>
-          </p:cNvPr>
-          <p:cNvPicPr>
-            <a:picLocks noChangeAspect="1"/>
-          </p:cNvPicPr>
-          <p:nvPr/>
-        </p:nvPicPr>
-        <p:blipFill>
-          <a:blip r:embed="rId2"/>
-          <a:stretch>
-            <a:fillRect/>
-          </a:stretch>
-        </p:blipFill>
-        <p:spPr>
-          <a:xfrm>
-            <a:off x="507950" y="2769152"/>
-            <a:ext cx="11176099" cy="1667326"/>
-          </a:xfrm>
-          <a:prstGeom prst="rect">
-            <a:avLst/>
-          </a:prstGeom>
-        </p:spPr>
-      </p:pic>
       <p:sp>
         <p:nvSpPr>
           <p:cNvPr id="15" name="Título 1">
@@ -2861,6 +3839,36 @@
           </a:p>
         </p:txBody>
       </p:sp>
+      <p:pic>
+        <p:nvPicPr>
+          <p:cNvPr id="3" name="Imagen 2">
+            <a:extLst>
+              <a:ext uri="{FF2B5EF4-FFF2-40B4-BE49-F238E27FC236}">
+                <a16:creationId xmlns:a16="http://schemas.microsoft.com/office/drawing/2014/main" id="{D562B8BC-3461-0F96-0163-EF4615047C2E}"/>
+              </a:ext>
+            </a:extLst>
+          </p:cNvPr>
+          <p:cNvPicPr>
+            <a:picLocks noChangeAspect="1"/>
+          </p:cNvPicPr>
+          <p:nvPr/>
+        </p:nvPicPr>
+        <p:blipFill>
+          <a:blip r:embed="rId2"/>
+          <a:stretch>
+            <a:fillRect/>
+          </a:stretch>
+        </p:blipFill>
+        <p:spPr>
+          <a:xfrm>
+            <a:off x="550891" y="2525315"/>
+            <a:ext cx="11424799" cy="2056320"/>
+          </a:xfrm>
+          <a:prstGeom prst="rect">
+            <a:avLst/>
+          </a:prstGeom>
+        </p:spPr>
+      </p:pic>
     </p:spTree>
     <p:extLst>
       <p:ext uri="{BB962C8B-B14F-4D97-AF65-F5344CB8AC3E}">
@@ -2978,8 +3986,8 @@
         </p:blipFill>
         <p:spPr>
           <a:xfrm>
-            <a:off x="953729" y="1159497"/>
-            <a:ext cx="10038735" cy="4781964"/>
+            <a:off x="953729" y="1159496"/>
+            <a:ext cx="9538303" cy="4543583"/>
           </a:xfrm>
           <a:prstGeom prst="rect">
             <a:avLst/>
@@ -3153,10 +4161,10 @@
       </p:sp>
       <p:pic>
         <p:nvPicPr>
-          <p:cNvPr id="6" name="Imagen 5">
+          <p:cNvPr id="4" name="Imagen 3">
             <a:extLst>
               <a:ext uri="{FF2B5EF4-FFF2-40B4-BE49-F238E27FC236}">
-                <a16:creationId xmlns:a16="http://schemas.microsoft.com/office/drawing/2014/main" id="{081CD6DF-2062-026E-FF99-4AB3488EAE9A}"/>
+                <a16:creationId xmlns:a16="http://schemas.microsoft.com/office/drawing/2014/main" id="{B43EDCA4-BACA-3F38-F3BD-E4350E5475C4}"/>
               </a:ext>
             </a:extLst>
           </p:cNvPr>
@@ -3173,8 +4181,8 @@
         </p:blipFill>
         <p:spPr>
           <a:xfrm>
-            <a:off x="988958" y="2101197"/>
-            <a:ext cx="8021169" cy="3362794"/>
+            <a:off x="1151962" y="2182519"/>
+            <a:ext cx="8059275" cy="4086795"/>
           </a:xfrm>
           <a:prstGeom prst="rect">
             <a:avLst/>
@@ -3331,7 +4339,17 @@
                 <a:latin typeface="Arial Black" panose="020B0604020202020204" pitchFamily="34" charset="0"/>
                 <a:cs typeface="Arial Black" panose="020B0604020202020204" pitchFamily="34" charset="0"/>
               </a:rPr>
-              <a:t>5. Gestión de configuración</a:t>
+              <a:t>5. Creación del repositorio </a:t>
+            </a:r>
+            <a:r>
+              <a:rPr lang="es-CO" sz="2400" b="1" dirty="0" err="1">
+                <a:solidFill>
+                  <a:srgbClr val="5700FE"/>
+                </a:solidFill>
+                <a:latin typeface="Arial Black" panose="020B0604020202020204" pitchFamily="34" charset="0"/>
+                <a:cs typeface="Arial Black" panose="020B0604020202020204" pitchFamily="34" charset="0"/>
+              </a:rPr>
+              <a:t>Github</a:t>
             </a:r>
             <a:endParaRPr lang="es-CO" sz="2000" b="1" dirty="0">
               <a:solidFill>
@@ -3384,7 +4402,55 @@
                 <a:ea typeface="+mj-ea"/>
                 <a:cs typeface="+mj-cs"/>
               </a:rPr>
-              <a:t>A continuación se desarrolla el producto backlog del Spring 1, Teniendo en cuenta las metodologías de números de Fibonacci para cuantificar la complejidad, en este caso por estar solo no se realiza </a:t>
+              <a:t>Se crea el repositorio GitHub </a:t>
+            </a:r>
+            <a:r>
+              <a:rPr lang="es-ES" sz="1500" b="1" dirty="0">
+                <a:solidFill>
+                  <a:schemeClr val="accent5">
+                    <a:lumMod val="50000"/>
+                  </a:schemeClr>
+                </a:solidFill>
+                <a:latin typeface="+mj-lt"/>
+                <a:ea typeface="+mj-ea"/>
+                <a:cs typeface="+mj-cs"/>
+              </a:rPr>
+              <a:t>“</a:t>
+            </a:r>
+            <a:r>
+              <a:rPr lang="es-ES" sz="1500" b="1" dirty="0" err="1">
+                <a:solidFill>
+                  <a:schemeClr val="accent5">
+                    <a:lumMod val="50000"/>
+                  </a:schemeClr>
+                </a:solidFill>
+                <a:latin typeface="+mj-lt"/>
+                <a:ea typeface="+mj-ea"/>
+                <a:cs typeface="+mj-cs"/>
+              </a:rPr>
+              <a:t>MisionTicCiclo3</a:t>
+            </a:r>
+            <a:r>
+              <a:rPr lang="es-ES" sz="1500" b="1" dirty="0">
+                <a:solidFill>
+                  <a:schemeClr val="tx2"/>
+                </a:solidFill>
+                <a:latin typeface="+mj-lt"/>
+                <a:ea typeface="+mj-ea"/>
+                <a:cs typeface="+mj-cs"/>
+              </a:rPr>
+              <a:t>” </a:t>
+            </a:r>
+            <a:r>
+              <a:rPr lang="es-ES" sz="1500" dirty="0">
+                <a:solidFill>
+                  <a:schemeClr val="tx2"/>
+                </a:solidFill>
+                <a:latin typeface="+mj-lt"/>
+                <a:ea typeface="+mj-ea"/>
+                <a:cs typeface="+mj-cs"/>
+              </a:rPr>
+              <a:t>con el usuario Git </a:t>
             </a:r>
             <a:r>
               <a:rPr lang="es-ES" sz="1500" dirty="0" err="1">
@@ -3395,7 +4461,7 @@
                 <a:ea typeface="+mj-ea"/>
                 <a:cs typeface="+mj-cs"/>
               </a:rPr>
-              <a:t>Planning</a:t>
+              <a:t>Sago0330</a:t>
             </a:r>
             <a:r>
               <a:rPr lang="es-ES" sz="1500" dirty="0">
@@ -3406,37 +4472,1010 @@
                 <a:ea typeface="+mj-ea"/>
                 <a:cs typeface="+mj-cs"/>
               </a:rPr>
-              <a:t> </a:t>
-            </a:r>
-            <a:r>
-              <a:rPr lang="es-ES" sz="1500" dirty="0" err="1">
-                <a:solidFill>
-                  <a:schemeClr val="tx2"/>
-                </a:solidFill>
-                <a:latin typeface="+mj-lt"/>
-                <a:ea typeface="+mj-ea"/>
-                <a:cs typeface="+mj-cs"/>
-              </a:rPr>
-              <a:t>Poker</a:t>
-            </a:r>
-            <a:r>
-              <a:rPr lang="es-ES" sz="1500" dirty="0">
-                <a:solidFill>
-                  <a:schemeClr val="tx2"/>
-                </a:solidFill>
-                <a:latin typeface="+mj-lt"/>
-                <a:ea typeface="+mj-ea"/>
-                <a:cs typeface="+mj-cs"/>
-              </a:rPr>
-              <a:t> (esta dinámica requiere varios participantes) </a:t>
-            </a:r>
+              <a:t>, dirección del repositorio: </a:t>
+            </a:r>
+          </a:p>
+          <a:p>
+            <a:pPr algn="just"/>
+            <a:r>
+              <a:rPr lang="es-ES" sz="1500" b="1" dirty="0">
+                <a:solidFill>
+                  <a:schemeClr val="accent5">
+                    <a:lumMod val="50000"/>
+                  </a:schemeClr>
+                </a:solidFill>
+                <a:latin typeface="+mj-lt"/>
+                <a:ea typeface="+mj-ea"/>
+                <a:cs typeface="+mj-cs"/>
+              </a:rPr>
+              <a:t>https://</a:t>
+            </a:r>
+            <a:r>
+              <a:rPr lang="es-ES" sz="1500" b="1" dirty="0" err="1">
+                <a:solidFill>
+                  <a:schemeClr val="accent5">
+                    <a:lumMod val="50000"/>
+                  </a:schemeClr>
+                </a:solidFill>
+                <a:latin typeface="+mj-lt"/>
+                <a:ea typeface="+mj-ea"/>
+                <a:cs typeface="+mj-cs"/>
+              </a:rPr>
+              <a:t>github.com</a:t>
+            </a:r>
+            <a:r>
+              <a:rPr lang="es-ES" sz="1500" b="1" dirty="0">
+                <a:solidFill>
+                  <a:schemeClr val="accent5">
+                    <a:lumMod val="50000"/>
+                  </a:schemeClr>
+                </a:solidFill>
+                <a:latin typeface="+mj-lt"/>
+                <a:ea typeface="+mj-ea"/>
+                <a:cs typeface="+mj-cs"/>
+              </a:rPr>
+              <a:t>/</a:t>
+            </a:r>
+            <a:r>
+              <a:rPr lang="es-ES" sz="1500" b="1" dirty="0" err="1">
+                <a:solidFill>
+                  <a:schemeClr val="accent5">
+                    <a:lumMod val="50000"/>
+                  </a:schemeClr>
+                </a:solidFill>
+                <a:latin typeface="+mj-lt"/>
+                <a:ea typeface="+mj-ea"/>
+                <a:cs typeface="+mj-cs"/>
+              </a:rPr>
+              <a:t>Sago0330</a:t>
+            </a:r>
+            <a:r>
+              <a:rPr lang="es-ES" sz="1500" b="1" dirty="0">
+                <a:solidFill>
+                  <a:schemeClr val="accent5">
+                    <a:lumMod val="50000"/>
+                  </a:schemeClr>
+                </a:solidFill>
+                <a:latin typeface="+mj-lt"/>
+                <a:ea typeface="+mj-ea"/>
+                <a:cs typeface="+mj-cs"/>
+              </a:rPr>
+              <a:t>/</a:t>
+            </a:r>
+            <a:r>
+              <a:rPr lang="es-ES" sz="1500" b="1" dirty="0" err="1">
+                <a:solidFill>
+                  <a:schemeClr val="accent5">
+                    <a:lumMod val="50000"/>
+                  </a:schemeClr>
+                </a:solidFill>
+                <a:latin typeface="+mj-lt"/>
+                <a:ea typeface="+mj-ea"/>
+                <a:cs typeface="+mj-cs"/>
+              </a:rPr>
+              <a:t>MisionTicCiclo3.git</a:t>
+            </a:r>
+            <a:endParaRPr lang="es-ES" sz="1500" b="1" dirty="0">
+              <a:solidFill>
+                <a:schemeClr val="accent5">
+                  <a:lumMod val="50000"/>
+                </a:schemeClr>
+              </a:solidFill>
+              <a:latin typeface="+mj-lt"/>
+              <a:ea typeface="+mj-ea"/>
+              <a:cs typeface="+mj-cs"/>
+            </a:endParaRPr>
           </a:p>
         </p:txBody>
       </p:sp>
+      <p:pic>
+        <p:nvPicPr>
+          <p:cNvPr id="3" name="Imagen 2">
+            <a:extLst>
+              <a:ext uri="{FF2B5EF4-FFF2-40B4-BE49-F238E27FC236}">
+                <a16:creationId xmlns:a16="http://schemas.microsoft.com/office/drawing/2014/main" id="{CF948153-C3AF-F9DC-F577-3121B998F19F}"/>
+              </a:ext>
+            </a:extLst>
+          </p:cNvPr>
+          <p:cNvPicPr>
+            <a:picLocks noChangeAspect="1"/>
+          </p:cNvPicPr>
+          <p:nvPr/>
+        </p:nvPicPr>
+        <p:blipFill>
+          <a:blip r:embed="rId2"/>
+          <a:stretch>
+            <a:fillRect/>
+          </a:stretch>
+        </p:blipFill>
+        <p:spPr>
+          <a:xfrm>
+            <a:off x="988958" y="2527602"/>
+            <a:ext cx="6229357" cy="3999530"/>
+          </a:xfrm>
+          <a:prstGeom prst="rect">
+            <a:avLst/>
+          </a:prstGeom>
+        </p:spPr>
+      </p:pic>
+    </p:spTree>
+    <p:extLst>
+      <p:ext uri="{BB962C8B-B14F-4D97-AF65-F5344CB8AC3E}">
+        <p14:creationId xmlns:p14="http://schemas.microsoft.com/office/powerpoint/2010/main" val="621209181"/>
+      </p:ext>
+    </p:extLst>
+  </p:cSld>
+  <p:clrMapOvr>
+    <a:masterClrMapping/>
+  </p:clrMapOvr>
+</p:sld>
+</file>
+
+<file path=ppt/slides/slide7.xml><?xml version="1.0" encoding="utf-8"?>
+<p:sld xmlns:a="http://schemas.openxmlformats.org/drawingml/2006/main" xmlns:r="http://schemas.openxmlformats.org/officeDocument/2006/relationships" xmlns:p="http://schemas.openxmlformats.org/presentationml/2006/main">
+  <p:cSld>
+    <p:spTree>
+      <p:nvGrpSpPr>
+        <p:cNvPr id="1" name=""/>
+        <p:cNvGrpSpPr/>
+        <p:nvPr/>
+      </p:nvGrpSpPr>
+      <p:grpSpPr>
+        <a:xfrm>
+          <a:off x="0" y="0"/>
+          <a:ext cx="0" cy="0"/>
+          <a:chOff x="0" y="0"/>
+          <a:chExt cx="0" cy="0"/>
+        </a:xfrm>
+      </p:grpSpPr>
+      <p:sp>
+        <p:nvSpPr>
+          <p:cNvPr id="5" name="Título 1">
+            <a:extLst>
+              <a:ext uri="{FF2B5EF4-FFF2-40B4-BE49-F238E27FC236}">
+                <a16:creationId xmlns:a16="http://schemas.microsoft.com/office/drawing/2014/main" id="{3290CEB5-80F2-4B22-A8FB-AED79906C649}"/>
+              </a:ext>
+            </a:extLst>
+          </p:cNvPr>
+          <p:cNvSpPr txBox="1">
+            <a:spLocks/>
+          </p:cNvSpPr>
+          <p:nvPr/>
+        </p:nvSpPr>
+        <p:spPr>
+          <a:xfrm>
+            <a:off x="3030140" y="422484"/>
+            <a:ext cx="6040234" cy="737013"/>
+          </a:xfrm>
+          <a:prstGeom prst="rect">
+            <a:avLst/>
+          </a:prstGeom>
+        </p:spPr>
+        <p:txBody>
+          <a:bodyPr vert="horz" lIns="91440" tIns="45720" rIns="91440" bIns="45720" rtlCol="0" anchor="t">
+            <a:normAutofit/>
+          </a:bodyPr>
+          <a:lstStyle>
+            <a:lvl1pPr algn="l" defTabSz="914400" rtl="0" eaLnBrk="1" latinLnBrk="0" hangingPunct="1">
+              <a:lnSpc>
+                <a:spcPct val="90000"/>
+              </a:lnSpc>
+              <a:spcBef>
+                <a:spcPct val="0"/>
+              </a:spcBef>
+              <a:buNone/>
+              <a:defRPr sz="4400" kern="1200">
+                <a:solidFill>
+                  <a:schemeClr val="tx1"/>
+                </a:solidFill>
+                <a:latin typeface="+mj-lt"/>
+                <a:ea typeface="+mj-ea"/>
+                <a:cs typeface="+mj-cs"/>
+              </a:defRPr>
+            </a:lvl1pPr>
+          </a:lstStyle>
+          <a:p>
+            <a:r>
+              <a:rPr lang="es-CO" sz="3600" b="1" dirty="0">
+                <a:solidFill>
+                  <a:srgbClr val="5700FE"/>
+                </a:solidFill>
+                <a:latin typeface="Arial Black" panose="020B0604020202020204" pitchFamily="34" charset="0"/>
+                <a:cs typeface="Arial Black" panose="020B0604020202020204" pitchFamily="34" charset="0"/>
+              </a:rPr>
+              <a:t>Sprint 1</a:t>
+            </a:r>
+            <a:endParaRPr lang="es-CO" sz="3200" b="1" dirty="0">
+              <a:solidFill>
+                <a:schemeClr val="tx2"/>
+              </a:solidFill>
+            </a:endParaRPr>
+          </a:p>
+        </p:txBody>
+      </p:sp>
+      <p:sp>
+        <p:nvSpPr>
+          <p:cNvPr id="10" name="Título 1">
+            <a:extLst>
+              <a:ext uri="{FF2B5EF4-FFF2-40B4-BE49-F238E27FC236}">
+                <a16:creationId xmlns:a16="http://schemas.microsoft.com/office/drawing/2014/main" id="{C4D699B0-644A-8A24-C6A0-A3069A059470}"/>
+              </a:ext>
+            </a:extLst>
+          </p:cNvPr>
+          <p:cNvSpPr txBox="1">
+            <a:spLocks/>
+          </p:cNvSpPr>
+          <p:nvPr/>
+        </p:nvSpPr>
+        <p:spPr>
+          <a:xfrm>
+            <a:off x="550891" y="1354219"/>
+            <a:ext cx="6040234" cy="465355"/>
+          </a:xfrm>
+          <a:prstGeom prst="rect">
+            <a:avLst/>
+          </a:prstGeom>
+        </p:spPr>
+        <p:txBody>
+          <a:bodyPr vert="horz" lIns="91440" tIns="45720" rIns="91440" bIns="45720" rtlCol="0" anchor="t">
+            <a:normAutofit/>
+          </a:bodyPr>
+          <a:lstStyle>
+            <a:lvl1pPr algn="l" defTabSz="914400" rtl="0" eaLnBrk="1" latinLnBrk="0" hangingPunct="1">
+              <a:lnSpc>
+                <a:spcPct val="90000"/>
+              </a:lnSpc>
+              <a:spcBef>
+                <a:spcPct val="0"/>
+              </a:spcBef>
+              <a:buNone/>
+              <a:defRPr sz="4400" kern="1200">
+                <a:solidFill>
+                  <a:schemeClr val="tx1"/>
+                </a:solidFill>
+                <a:latin typeface="+mj-lt"/>
+                <a:ea typeface="+mj-ea"/>
+                <a:cs typeface="+mj-cs"/>
+              </a:defRPr>
+            </a:lvl1pPr>
+          </a:lstStyle>
+          <a:p>
+            <a:r>
+              <a:rPr lang="es-CO" sz="2400" b="1" dirty="0">
+                <a:solidFill>
+                  <a:srgbClr val="5700FE"/>
+                </a:solidFill>
+                <a:latin typeface="Arial Black" panose="020B0604020202020204" pitchFamily="34" charset="0"/>
+                <a:cs typeface="Arial Black" panose="020B0604020202020204" pitchFamily="34" charset="0"/>
+              </a:rPr>
+              <a:t>6. Gestión de configuración</a:t>
+            </a:r>
+            <a:endParaRPr lang="es-CO" sz="2000" b="1" dirty="0">
+              <a:solidFill>
+                <a:schemeClr val="tx2"/>
+              </a:solidFill>
+            </a:endParaRPr>
+          </a:p>
+        </p:txBody>
+      </p:sp>
+      <p:sp>
+        <p:nvSpPr>
+          <p:cNvPr id="12" name="CuadroTexto 11">
+            <a:extLst>
+              <a:ext uri="{FF2B5EF4-FFF2-40B4-BE49-F238E27FC236}">
+                <a16:creationId xmlns:a16="http://schemas.microsoft.com/office/drawing/2014/main" id="{61255DEF-54E6-249B-46AF-46F804ADE403}"/>
+              </a:ext>
+            </a:extLst>
+          </p:cNvPr>
+          <p:cNvSpPr txBox="1"/>
+          <p:nvPr/>
+        </p:nvSpPr>
+        <p:spPr>
+          <a:xfrm>
+            <a:off x="988958" y="1867525"/>
+            <a:ext cx="10558877" cy="553998"/>
+          </a:xfrm>
+          <a:prstGeom prst="rect">
+            <a:avLst/>
+          </a:prstGeom>
+          <a:solidFill>
+            <a:schemeClr val="accent5">
+              <a:lumMod val="20000"/>
+              <a:lumOff val="80000"/>
+            </a:schemeClr>
+          </a:solidFill>
+        </p:spPr>
+        <p:txBody>
+          <a:bodyPr wrap="square" rtlCol="0">
+            <a:spAutoFit/>
+          </a:bodyPr>
+          <a:lstStyle/>
+          <a:p>
+            <a:pPr algn="just"/>
+            <a:r>
+              <a:rPr lang="es-ES" sz="1500" dirty="0">
+                <a:solidFill>
+                  <a:schemeClr val="tx2"/>
+                </a:solidFill>
+                <a:latin typeface="+mj-lt"/>
+                <a:ea typeface="+mj-ea"/>
+                <a:cs typeface="+mj-cs"/>
+              </a:rPr>
+              <a:t>Se realiza una investigación para utilizar las mejores herramientas para el desarrollo del aplicativo utilizando VS </a:t>
+            </a:r>
+            <a:r>
+              <a:rPr lang="es-ES" sz="1500" dirty="0" err="1">
+                <a:solidFill>
+                  <a:schemeClr val="tx2"/>
+                </a:solidFill>
+                <a:latin typeface="+mj-lt"/>
+                <a:ea typeface="+mj-ea"/>
+                <a:cs typeface="+mj-cs"/>
+              </a:rPr>
+              <a:t>CODE</a:t>
+            </a:r>
+            <a:r>
+              <a:rPr lang="es-ES" sz="1500" dirty="0">
+                <a:solidFill>
+                  <a:schemeClr val="tx2"/>
+                </a:solidFill>
+                <a:latin typeface="+mj-lt"/>
+                <a:ea typeface="+mj-ea"/>
+                <a:cs typeface="+mj-cs"/>
+              </a:rPr>
+              <a:t> junto con la integración de GitHub relacionadas a continuación: </a:t>
+            </a:r>
+          </a:p>
+        </p:txBody>
+      </p:sp>
+      <p:pic>
+        <p:nvPicPr>
+          <p:cNvPr id="6" name="Imagen 5">
+            <a:extLst>
+              <a:ext uri="{FF2B5EF4-FFF2-40B4-BE49-F238E27FC236}">
+                <a16:creationId xmlns:a16="http://schemas.microsoft.com/office/drawing/2014/main" id="{1E4F82EA-5977-50CC-9124-866B6FCB27CA}"/>
+              </a:ext>
+            </a:extLst>
+          </p:cNvPr>
+          <p:cNvPicPr>
+            <a:picLocks noChangeAspect="1"/>
+          </p:cNvPicPr>
+          <p:nvPr/>
+        </p:nvPicPr>
+        <p:blipFill>
+          <a:blip r:embed="rId2"/>
+          <a:stretch>
+            <a:fillRect/>
+          </a:stretch>
+        </p:blipFill>
+        <p:spPr>
+          <a:xfrm>
+            <a:off x="1497541" y="2507049"/>
+            <a:ext cx="3013704" cy="3928467"/>
+          </a:xfrm>
+          <a:prstGeom prst="rect">
+            <a:avLst/>
+          </a:prstGeom>
+        </p:spPr>
+      </p:pic>
+      <p:pic>
+        <p:nvPicPr>
+          <p:cNvPr id="8" name="Imagen 7">
+            <a:extLst>
+              <a:ext uri="{FF2B5EF4-FFF2-40B4-BE49-F238E27FC236}">
+                <a16:creationId xmlns:a16="http://schemas.microsoft.com/office/drawing/2014/main" id="{78450359-9519-83A5-15CD-FA7F96B9F12B}"/>
+              </a:ext>
+            </a:extLst>
+          </p:cNvPr>
+          <p:cNvPicPr>
+            <a:picLocks noChangeAspect="1"/>
+          </p:cNvPicPr>
+          <p:nvPr/>
+        </p:nvPicPr>
+        <p:blipFill>
+          <a:blip r:embed="rId3"/>
+          <a:stretch>
+            <a:fillRect/>
+          </a:stretch>
+        </p:blipFill>
+        <p:spPr>
+          <a:xfrm>
+            <a:off x="4709225" y="2507049"/>
+            <a:ext cx="3118341" cy="3928466"/>
+          </a:xfrm>
+          <a:prstGeom prst="rect">
+            <a:avLst/>
+          </a:prstGeom>
+        </p:spPr>
+      </p:pic>
+      <p:pic>
+        <p:nvPicPr>
+          <p:cNvPr id="11" name="Imagen 10">
+            <a:extLst>
+              <a:ext uri="{FF2B5EF4-FFF2-40B4-BE49-F238E27FC236}">
+                <a16:creationId xmlns:a16="http://schemas.microsoft.com/office/drawing/2014/main" id="{E92A25FA-C399-3C39-FA42-11CB5E8DA25D}"/>
+              </a:ext>
+            </a:extLst>
+          </p:cNvPr>
+          <p:cNvPicPr>
+            <a:picLocks noChangeAspect="1"/>
+          </p:cNvPicPr>
+          <p:nvPr/>
+        </p:nvPicPr>
+        <p:blipFill>
+          <a:blip r:embed="rId4"/>
+          <a:stretch>
+            <a:fillRect/>
+          </a:stretch>
+        </p:blipFill>
+        <p:spPr>
+          <a:xfrm>
+            <a:off x="8025546" y="2527602"/>
+            <a:ext cx="2940656" cy="3854560"/>
+          </a:xfrm>
+          <a:prstGeom prst="rect">
+            <a:avLst/>
+          </a:prstGeom>
+        </p:spPr>
+      </p:pic>
     </p:spTree>
     <p:extLst>
       <p:ext uri="{BB962C8B-B14F-4D97-AF65-F5344CB8AC3E}">
         <p14:creationId xmlns:p14="http://schemas.microsoft.com/office/powerpoint/2010/main" val="3863229222"/>
+      </p:ext>
+    </p:extLst>
+  </p:cSld>
+  <p:clrMapOvr>
+    <a:masterClrMapping/>
+  </p:clrMapOvr>
+</p:sld>
+</file>
+
+<file path=ppt/slides/slide8.xml><?xml version="1.0" encoding="utf-8"?>
+<p:sld xmlns:a="http://schemas.openxmlformats.org/drawingml/2006/main" xmlns:r="http://schemas.openxmlformats.org/officeDocument/2006/relationships" xmlns:p="http://schemas.openxmlformats.org/presentationml/2006/main">
+  <p:cSld>
+    <p:spTree>
+      <p:nvGrpSpPr>
+        <p:cNvPr id="1" name=""/>
+        <p:cNvGrpSpPr/>
+        <p:nvPr/>
+      </p:nvGrpSpPr>
+      <p:grpSpPr>
+        <a:xfrm>
+          <a:off x="0" y="0"/>
+          <a:ext cx="0" cy="0"/>
+          <a:chOff x="0" y="0"/>
+          <a:chExt cx="0" cy="0"/>
+        </a:xfrm>
+      </p:grpSpPr>
+      <p:sp>
+        <p:nvSpPr>
+          <p:cNvPr id="5" name="Título 1">
+            <a:extLst>
+              <a:ext uri="{FF2B5EF4-FFF2-40B4-BE49-F238E27FC236}">
+                <a16:creationId xmlns:a16="http://schemas.microsoft.com/office/drawing/2014/main" id="{3290CEB5-80F2-4B22-A8FB-AED79906C649}"/>
+              </a:ext>
+            </a:extLst>
+          </p:cNvPr>
+          <p:cNvSpPr txBox="1">
+            <a:spLocks/>
+          </p:cNvSpPr>
+          <p:nvPr/>
+        </p:nvSpPr>
+        <p:spPr>
+          <a:xfrm>
+            <a:off x="3030140" y="422484"/>
+            <a:ext cx="6040234" cy="737013"/>
+          </a:xfrm>
+          <a:prstGeom prst="rect">
+            <a:avLst/>
+          </a:prstGeom>
+        </p:spPr>
+        <p:txBody>
+          <a:bodyPr vert="horz" lIns="91440" tIns="45720" rIns="91440" bIns="45720" rtlCol="0" anchor="t">
+            <a:normAutofit/>
+          </a:bodyPr>
+          <a:lstStyle>
+            <a:lvl1pPr algn="l" defTabSz="914400" rtl="0" eaLnBrk="1" latinLnBrk="0" hangingPunct="1">
+              <a:lnSpc>
+                <a:spcPct val="90000"/>
+              </a:lnSpc>
+              <a:spcBef>
+                <a:spcPct val="0"/>
+              </a:spcBef>
+              <a:buNone/>
+              <a:defRPr sz="4400" kern="1200">
+                <a:solidFill>
+                  <a:schemeClr val="tx1"/>
+                </a:solidFill>
+                <a:latin typeface="+mj-lt"/>
+                <a:ea typeface="+mj-ea"/>
+                <a:cs typeface="+mj-cs"/>
+              </a:defRPr>
+            </a:lvl1pPr>
+          </a:lstStyle>
+          <a:p>
+            <a:r>
+              <a:rPr lang="es-CO" sz="3600" b="1" dirty="0">
+                <a:solidFill>
+                  <a:srgbClr val="5700FE"/>
+                </a:solidFill>
+                <a:latin typeface="Arial Black" panose="020B0604020202020204" pitchFamily="34" charset="0"/>
+                <a:cs typeface="Arial Black" panose="020B0604020202020204" pitchFamily="34" charset="0"/>
+              </a:rPr>
+              <a:t>Sprint 1</a:t>
+            </a:r>
+            <a:endParaRPr lang="es-CO" sz="3200" b="1" dirty="0">
+              <a:solidFill>
+                <a:schemeClr val="tx2"/>
+              </a:solidFill>
+            </a:endParaRPr>
+          </a:p>
+        </p:txBody>
+      </p:sp>
+      <p:sp>
+        <p:nvSpPr>
+          <p:cNvPr id="10" name="Título 1">
+            <a:extLst>
+              <a:ext uri="{FF2B5EF4-FFF2-40B4-BE49-F238E27FC236}">
+                <a16:creationId xmlns:a16="http://schemas.microsoft.com/office/drawing/2014/main" id="{C4D699B0-644A-8A24-C6A0-A3069A059470}"/>
+              </a:ext>
+            </a:extLst>
+          </p:cNvPr>
+          <p:cNvSpPr txBox="1">
+            <a:spLocks/>
+          </p:cNvSpPr>
+          <p:nvPr/>
+        </p:nvSpPr>
+        <p:spPr>
+          <a:xfrm>
+            <a:off x="550891" y="1354219"/>
+            <a:ext cx="6040234" cy="465355"/>
+          </a:xfrm>
+          <a:prstGeom prst="rect">
+            <a:avLst/>
+          </a:prstGeom>
+        </p:spPr>
+        <p:txBody>
+          <a:bodyPr vert="horz" lIns="91440" tIns="45720" rIns="91440" bIns="45720" rtlCol="0" anchor="t">
+            <a:normAutofit/>
+          </a:bodyPr>
+          <a:lstStyle>
+            <a:lvl1pPr algn="l" defTabSz="914400" rtl="0" eaLnBrk="1" latinLnBrk="0" hangingPunct="1">
+              <a:lnSpc>
+                <a:spcPct val="90000"/>
+              </a:lnSpc>
+              <a:spcBef>
+                <a:spcPct val="0"/>
+              </a:spcBef>
+              <a:buNone/>
+              <a:defRPr sz="4400" kern="1200">
+                <a:solidFill>
+                  <a:schemeClr val="tx1"/>
+                </a:solidFill>
+                <a:latin typeface="+mj-lt"/>
+                <a:ea typeface="+mj-ea"/>
+                <a:cs typeface="+mj-cs"/>
+              </a:defRPr>
+            </a:lvl1pPr>
+          </a:lstStyle>
+          <a:p>
+            <a:r>
+              <a:rPr lang="es-CO" sz="2400" b="1" dirty="0">
+                <a:solidFill>
+                  <a:srgbClr val="5700FE"/>
+                </a:solidFill>
+                <a:latin typeface="Arial Black" panose="020B0604020202020204" pitchFamily="34" charset="0"/>
+                <a:cs typeface="Arial Black" panose="020B0604020202020204" pitchFamily="34" charset="0"/>
+              </a:rPr>
+              <a:t>6. Mockups interfaz</a:t>
+            </a:r>
+            <a:endParaRPr lang="es-CO" sz="2000" b="1" dirty="0">
+              <a:solidFill>
+                <a:schemeClr val="tx2"/>
+              </a:solidFill>
+            </a:endParaRPr>
+          </a:p>
+        </p:txBody>
+      </p:sp>
+      <p:sp>
+        <p:nvSpPr>
+          <p:cNvPr id="2" name="CuadroTexto 1">
+            <a:extLst>
+              <a:ext uri="{FF2B5EF4-FFF2-40B4-BE49-F238E27FC236}">
+                <a16:creationId xmlns:a16="http://schemas.microsoft.com/office/drawing/2014/main" id="{257CA102-65F5-93EC-A6C9-9826186CE3D3}"/>
+              </a:ext>
+            </a:extLst>
+          </p:cNvPr>
+          <p:cNvSpPr txBox="1"/>
+          <p:nvPr/>
+        </p:nvSpPr>
+        <p:spPr>
+          <a:xfrm>
+            <a:off x="988958" y="1867525"/>
+            <a:ext cx="10558877" cy="553998"/>
+          </a:xfrm>
+          <a:prstGeom prst="rect">
+            <a:avLst/>
+          </a:prstGeom>
+          <a:solidFill>
+            <a:schemeClr val="accent5">
+              <a:lumMod val="20000"/>
+              <a:lumOff val="80000"/>
+            </a:schemeClr>
+          </a:solidFill>
+        </p:spPr>
+        <p:txBody>
+          <a:bodyPr wrap="square" rtlCol="0">
+            <a:spAutoFit/>
+          </a:bodyPr>
+          <a:lstStyle/>
+          <a:p>
+            <a:pPr algn="just"/>
+            <a:r>
+              <a:rPr lang="es-ES" sz="1500" dirty="0">
+                <a:solidFill>
+                  <a:schemeClr val="tx2"/>
+                </a:solidFill>
+                <a:latin typeface="+mj-lt"/>
+                <a:ea typeface="+mj-ea"/>
+                <a:cs typeface="+mj-cs"/>
+              </a:rPr>
+              <a:t>Se recrearan dos ventanas de navegación para el proyecto de portafolio de muebles, el cual tendrá una ventana para el registro y otra de visualización del catalogo. </a:t>
+            </a:r>
+          </a:p>
+        </p:txBody>
+      </p:sp>
+      <p:pic>
+        <p:nvPicPr>
+          <p:cNvPr id="4" name="Imagen 3">
+            <a:extLst>
+              <a:ext uri="{FF2B5EF4-FFF2-40B4-BE49-F238E27FC236}">
+                <a16:creationId xmlns:a16="http://schemas.microsoft.com/office/drawing/2014/main" id="{41653ED7-7DE7-DE23-6B38-D234C449A300}"/>
+              </a:ext>
+            </a:extLst>
+          </p:cNvPr>
+          <p:cNvPicPr>
+            <a:picLocks noChangeAspect="1"/>
+          </p:cNvPicPr>
+          <p:nvPr/>
+        </p:nvPicPr>
+        <p:blipFill>
+          <a:blip r:embed="rId2"/>
+          <a:stretch>
+            <a:fillRect/>
+          </a:stretch>
+        </p:blipFill>
+        <p:spPr>
+          <a:xfrm>
+            <a:off x="1198416" y="3242434"/>
+            <a:ext cx="3801601" cy="2980267"/>
+          </a:xfrm>
+          <a:prstGeom prst="rect">
+            <a:avLst/>
+          </a:prstGeom>
+        </p:spPr>
+      </p:pic>
+      <p:sp>
+        <p:nvSpPr>
+          <p:cNvPr id="6" name="CuadroTexto 5">
+            <a:extLst>
+              <a:ext uri="{FF2B5EF4-FFF2-40B4-BE49-F238E27FC236}">
+                <a16:creationId xmlns:a16="http://schemas.microsoft.com/office/drawing/2014/main" id="{041FBEF2-2841-5A73-57F7-3397056F6BB6}"/>
+              </a:ext>
+            </a:extLst>
+          </p:cNvPr>
+          <p:cNvSpPr txBox="1"/>
+          <p:nvPr/>
+        </p:nvSpPr>
+        <p:spPr>
+          <a:xfrm>
+            <a:off x="1755167" y="2806386"/>
+            <a:ext cx="2688097" cy="323165"/>
+          </a:xfrm>
+          <a:prstGeom prst="rect">
+            <a:avLst/>
+          </a:prstGeom>
+          <a:solidFill>
+            <a:schemeClr val="accent5">
+              <a:lumMod val="20000"/>
+              <a:lumOff val="80000"/>
+            </a:schemeClr>
+          </a:solidFill>
+        </p:spPr>
+        <p:txBody>
+          <a:bodyPr wrap="square" rtlCol="0">
+            <a:spAutoFit/>
+          </a:bodyPr>
+          <a:lstStyle/>
+          <a:p>
+            <a:pPr algn="just"/>
+            <a:r>
+              <a:rPr lang="es-ES" sz="1500" dirty="0">
+                <a:solidFill>
+                  <a:schemeClr val="tx2"/>
+                </a:solidFill>
+                <a:latin typeface="+mj-lt"/>
+                <a:ea typeface="+mj-ea"/>
+                <a:cs typeface="+mj-cs"/>
+              </a:rPr>
+              <a:t>Ventana de registro producto</a:t>
+            </a:r>
+          </a:p>
+        </p:txBody>
+      </p:sp>
+      <p:sp>
+        <p:nvSpPr>
+          <p:cNvPr id="7" name="CuadroTexto 6">
+            <a:extLst>
+              <a:ext uri="{FF2B5EF4-FFF2-40B4-BE49-F238E27FC236}">
+                <a16:creationId xmlns:a16="http://schemas.microsoft.com/office/drawing/2014/main" id="{F488D880-06B1-DF9F-F4CE-13722234448F}"/>
+              </a:ext>
+            </a:extLst>
+          </p:cNvPr>
+          <p:cNvSpPr txBox="1"/>
+          <p:nvPr/>
+        </p:nvSpPr>
+        <p:spPr>
+          <a:xfrm>
+            <a:off x="7076197" y="2806386"/>
+            <a:ext cx="2688097" cy="323165"/>
+          </a:xfrm>
+          <a:prstGeom prst="rect">
+            <a:avLst/>
+          </a:prstGeom>
+          <a:solidFill>
+            <a:schemeClr val="accent5">
+              <a:lumMod val="20000"/>
+              <a:lumOff val="80000"/>
+            </a:schemeClr>
+          </a:solidFill>
+        </p:spPr>
+        <p:txBody>
+          <a:bodyPr wrap="square" rtlCol="0">
+            <a:spAutoFit/>
+          </a:bodyPr>
+          <a:lstStyle/>
+          <a:p>
+            <a:pPr algn="just"/>
+            <a:r>
+              <a:rPr lang="es-ES" sz="1500" dirty="0">
+                <a:solidFill>
+                  <a:schemeClr val="tx2"/>
+                </a:solidFill>
+                <a:latin typeface="+mj-lt"/>
+                <a:ea typeface="+mj-ea"/>
+                <a:cs typeface="+mj-cs"/>
+              </a:rPr>
+              <a:t>Ventana Visualización producto</a:t>
+            </a:r>
+          </a:p>
+        </p:txBody>
+      </p:sp>
+      <p:pic>
+        <p:nvPicPr>
+          <p:cNvPr id="9" name="Imagen 8">
+            <a:extLst>
+              <a:ext uri="{FF2B5EF4-FFF2-40B4-BE49-F238E27FC236}">
+                <a16:creationId xmlns:a16="http://schemas.microsoft.com/office/drawing/2014/main" id="{80FB914B-DE8B-2270-4DBC-693AAD16F2A3}"/>
+              </a:ext>
+            </a:extLst>
+          </p:cNvPr>
+          <p:cNvPicPr>
+            <a:picLocks noChangeAspect="1"/>
+          </p:cNvPicPr>
+          <p:nvPr/>
+        </p:nvPicPr>
+        <p:blipFill>
+          <a:blip r:embed="rId3"/>
+          <a:stretch>
+            <a:fillRect/>
+          </a:stretch>
+        </p:blipFill>
+        <p:spPr>
+          <a:xfrm>
+            <a:off x="6549258" y="3271617"/>
+            <a:ext cx="3741974" cy="2951083"/>
+          </a:xfrm>
+          <a:prstGeom prst="rect">
+            <a:avLst/>
+          </a:prstGeom>
+        </p:spPr>
+      </p:pic>
+    </p:spTree>
+    <p:extLst>
+      <p:ext uri="{BB962C8B-B14F-4D97-AF65-F5344CB8AC3E}">
+        <p14:creationId xmlns:p14="http://schemas.microsoft.com/office/powerpoint/2010/main" val="2220618925"/>
+      </p:ext>
+    </p:extLst>
+  </p:cSld>
+  <p:clrMapOvr>
+    <a:masterClrMapping/>
+  </p:clrMapOvr>
+</p:sld>
+</file>
+
+<file path=ppt/slides/slide9.xml><?xml version="1.0" encoding="utf-8"?>
+<p:sld xmlns:a="http://schemas.openxmlformats.org/drawingml/2006/main" xmlns:r="http://schemas.openxmlformats.org/officeDocument/2006/relationships" xmlns:p="http://schemas.openxmlformats.org/presentationml/2006/main">
+  <p:cSld>
+    <p:spTree>
+      <p:nvGrpSpPr>
+        <p:cNvPr id="1" name=""/>
+        <p:cNvGrpSpPr/>
+        <p:nvPr/>
+      </p:nvGrpSpPr>
+      <p:grpSpPr>
+        <a:xfrm>
+          <a:off x="0" y="0"/>
+          <a:ext cx="0" cy="0"/>
+          <a:chOff x="0" y="0"/>
+          <a:chExt cx="0" cy="0"/>
+        </a:xfrm>
+      </p:grpSpPr>
+      <p:sp>
+        <p:nvSpPr>
+          <p:cNvPr id="5" name="Título 1">
+            <a:extLst>
+              <a:ext uri="{FF2B5EF4-FFF2-40B4-BE49-F238E27FC236}">
+                <a16:creationId xmlns:a16="http://schemas.microsoft.com/office/drawing/2014/main" id="{3290CEB5-80F2-4B22-A8FB-AED79906C649}"/>
+              </a:ext>
+            </a:extLst>
+          </p:cNvPr>
+          <p:cNvSpPr txBox="1">
+            <a:spLocks/>
+          </p:cNvSpPr>
+          <p:nvPr/>
+        </p:nvSpPr>
+        <p:spPr>
+          <a:xfrm>
+            <a:off x="3030140" y="422484"/>
+            <a:ext cx="6040234" cy="737013"/>
+          </a:xfrm>
+          <a:prstGeom prst="rect">
+            <a:avLst/>
+          </a:prstGeom>
+        </p:spPr>
+        <p:txBody>
+          <a:bodyPr vert="horz" lIns="91440" tIns="45720" rIns="91440" bIns="45720" rtlCol="0" anchor="t">
+            <a:normAutofit/>
+          </a:bodyPr>
+          <a:lstStyle>
+            <a:lvl1pPr algn="l" defTabSz="914400" rtl="0" eaLnBrk="1" latinLnBrk="0" hangingPunct="1">
+              <a:lnSpc>
+                <a:spcPct val="90000"/>
+              </a:lnSpc>
+              <a:spcBef>
+                <a:spcPct val="0"/>
+              </a:spcBef>
+              <a:buNone/>
+              <a:defRPr sz="4400" kern="1200">
+                <a:solidFill>
+                  <a:schemeClr val="tx1"/>
+                </a:solidFill>
+                <a:latin typeface="+mj-lt"/>
+                <a:ea typeface="+mj-ea"/>
+                <a:cs typeface="+mj-cs"/>
+              </a:defRPr>
+            </a:lvl1pPr>
+          </a:lstStyle>
+          <a:p>
+            <a:r>
+              <a:rPr lang="es-CO" sz="3600" b="1" dirty="0">
+                <a:solidFill>
+                  <a:srgbClr val="5700FE"/>
+                </a:solidFill>
+                <a:latin typeface="Arial Black" panose="020B0604020202020204" pitchFamily="34" charset="0"/>
+                <a:cs typeface="Arial Black" panose="020B0604020202020204" pitchFamily="34" charset="0"/>
+              </a:rPr>
+              <a:t>Sprint 1</a:t>
+            </a:r>
+            <a:endParaRPr lang="es-CO" sz="3200" b="1" dirty="0">
+              <a:solidFill>
+                <a:schemeClr val="tx2"/>
+              </a:solidFill>
+            </a:endParaRPr>
+          </a:p>
+        </p:txBody>
+      </p:sp>
+      <p:sp>
+        <p:nvSpPr>
+          <p:cNvPr id="10" name="Título 1">
+            <a:extLst>
+              <a:ext uri="{FF2B5EF4-FFF2-40B4-BE49-F238E27FC236}">
+                <a16:creationId xmlns:a16="http://schemas.microsoft.com/office/drawing/2014/main" id="{C4D699B0-644A-8A24-C6A0-A3069A059470}"/>
+              </a:ext>
+            </a:extLst>
+          </p:cNvPr>
+          <p:cNvSpPr txBox="1">
+            <a:spLocks/>
+          </p:cNvSpPr>
+          <p:nvPr/>
+        </p:nvSpPr>
+        <p:spPr>
+          <a:xfrm>
+            <a:off x="550891" y="1354219"/>
+            <a:ext cx="6040234" cy="465355"/>
+          </a:xfrm>
+          <a:prstGeom prst="rect">
+            <a:avLst/>
+          </a:prstGeom>
+        </p:spPr>
+        <p:txBody>
+          <a:bodyPr vert="horz" lIns="91440" tIns="45720" rIns="91440" bIns="45720" rtlCol="0" anchor="t">
+            <a:normAutofit/>
+          </a:bodyPr>
+          <a:lstStyle>
+            <a:lvl1pPr algn="l" defTabSz="914400" rtl="0" eaLnBrk="1" latinLnBrk="0" hangingPunct="1">
+              <a:lnSpc>
+                <a:spcPct val="90000"/>
+              </a:lnSpc>
+              <a:spcBef>
+                <a:spcPct val="0"/>
+              </a:spcBef>
+              <a:buNone/>
+              <a:defRPr sz="4400" kern="1200">
+                <a:solidFill>
+                  <a:schemeClr val="tx1"/>
+                </a:solidFill>
+                <a:latin typeface="+mj-lt"/>
+                <a:ea typeface="+mj-ea"/>
+                <a:cs typeface="+mj-cs"/>
+              </a:defRPr>
+            </a:lvl1pPr>
+          </a:lstStyle>
+          <a:p>
+            <a:r>
+              <a:rPr lang="es-CO" sz="2400" b="1" dirty="0">
+                <a:solidFill>
+                  <a:srgbClr val="5700FE"/>
+                </a:solidFill>
+                <a:latin typeface="Arial Black" panose="020B0604020202020204" pitchFamily="34" charset="0"/>
+                <a:cs typeface="Arial Black" panose="020B0604020202020204" pitchFamily="34" charset="0"/>
+              </a:rPr>
+              <a:t>7. Historias de usuario sprint 2</a:t>
+            </a:r>
+            <a:endParaRPr lang="es-CO" sz="2000" b="1" dirty="0">
+              <a:solidFill>
+                <a:schemeClr val="tx2"/>
+              </a:solidFill>
+            </a:endParaRPr>
+          </a:p>
+        </p:txBody>
+      </p:sp>
+      <p:pic>
+        <p:nvPicPr>
+          <p:cNvPr id="8" name="Imagen 7">
+            <a:extLst>
+              <a:ext uri="{FF2B5EF4-FFF2-40B4-BE49-F238E27FC236}">
+                <a16:creationId xmlns:a16="http://schemas.microsoft.com/office/drawing/2014/main" id="{C50A55AD-14A4-BB45-4667-F29355ACB12B}"/>
+              </a:ext>
+            </a:extLst>
+          </p:cNvPr>
+          <p:cNvPicPr>
+            <a:picLocks noChangeAspect="1"/>
+          </p:cNvPicPr>
+          <p:nvPr/>
+        </p:nvPicPr>
+        <p:blipFill>
+          <a:blip r:embed="rId2"/>
+          <a:stretch>
+            <a:fillRect/>
+          </a:stretch>
+        </p:blipFill>
+        <p:spPr>
+          <a:xfrm>
+            <a:off x="550891" y="2014296"/>
+            <a:ext cx="10851263" cy="3330926"/>
+          </a:xfrm>
+          <a:prstGeom prst="rect">
+            <a:avLst/>
+          </a:prstGeom>
+        </p:spPr>
+      </p:pic>
+    </p:spTree>
+    <p:extLst>
+      <p:ext uri="{BB962C8B-B14F-4D97-AF65-F5344CB8AC3E}">
+        <p14:creationId xmlns:p14="http://schemas.microsoft.com/office/powerpoint/2010/main" val="3368551416"/>
       </p:ext>
     </p:extLst>
   </p:cSld>
